--- a/live_site/assets/handouts/08.01_failure.pptx
+++ b/live_site/assets/handouts/08.01_failure.pptx
@@ -2,48 +2,50 @@
 <file path=ppt/presentation.xml><?xml version="1.0" encoding="utf-8"?>
 <p:presentation xmlns:a="http://schemas.openxmlformats.org/drawingml/2006/main" xmlns:r="http://schemas.openxmlformats.org/officeDocument/2006/relationships" xmlns:p="http://schemas.openxmlformats.org/presentationml/2006/main" saveSubsetFonts="1">
   <p:sldMasterIdLst>
-    <p:sldMasterId id="2147483648" r:id="rId1"/>
+    <p:sldMasterId id="2147483648" r:id="rId3"/>
   </p:sldMasterIdLst>
   <p:notesMasterIdLst>
-    <p:notesMasterId r:id="rId30"/>
+    <p:notesMasterId r:id="rId34"/>
   </p:notesMasterIdLst>
   <p:handoutMasterIdLst>
-    <p:handoutMasterId r:id="rId31"/>
+    <p:handoutMasterId r:id="rId35"/>
   </p:handoutMasterIdLst>
   <p:sldIdLst>
-    <p:sldId id="303" r:id="rId2"/>
-    <p:sldId id="426" r:id="rId3"/>
-    <p:sldId id="427" r:id="rId4"/>
-    <p:sldId id="440" r:id="rId5"/>
-    <p:sldId id="509" r:id="rId6"/>
-    <p:sldId id="443" r:id="rId7"/>
-    <p:sldId id="444" r:id="rId8"/>
-    <p:sldId id="429" r:id="rId9"/>
-    <p:sldId id="447" r:id="rId10"/>
-    <p:sldId id="433" r:id="rId11"/>
-    <p:sldId id="448" r:id="rId12"/>
-    <p:sldId id="449" r:id="rId13"/>
-    <p:sldId id="430" r:id="rId14"/>
-    <p:sldId id="431" r:id="rId15"/>
-    <p:sldId id="511" r:id="rId16"/>
-    <p:sldId id="451" r:id="rId17"/>
-    <p:sldId id="432" r:id="rId18"/>
-    <p:sldId id="462" r:id="rId19"/>
-    <p:sldId id="463" r:id="rId20"/>
-    <p:sldId id="464" r:id="rId21"/>
-    <p:sldId id="458" r:id="rId22"/>
-    <p:sldId id="459" r:id="rId23"/>
-    <p:sldId id="460" r:id="rId24"/>
-    <p:sldId id="512" r:id="rId25"/>
-    <p:sldId id="435" r:id="rId26"/>
-    <p:sldId id="461" r:id="rId27"/>
-    <p:sldId id="438" r:id="rId28"/>
-    <p:sldId id="455" r:id="rId29"/>
+    <p:sldId id="303" r:id="rId4"/>
+    <p:sldId id="513" r:id="rId5"/>
+    <p:sldId id="426" r:id="rId6"/>
+    <p:sldId id="427" r:id="rId7"/>
+    <p:sldId id="440" r:id="rId8"/>
+    <p:sldId id="509" r:id="rId9"/>
+    <p:sldId id="443" r:id="rId10"/>
+    <p:sldId id="444" r:id="rId11"/>
+    <p:sldId id="429" r:id="rId12"/>
+    <p:sldId id="447" r:id="rId13"/>
+    <p:sldId id="433" r:id="rId14"/>
+    <p:sldId id="448" r:id="rId15"/>
+    <p:sldId id="514" r:id="rId16"/>
+    <p:sldId id="449" r:id="rId17"/>
+    <p:sldId id="430" r:id="rId18"/>
+    <p:sldId id="431" r:id="rId19"/>
+    <p:sldId id="451" r:id="rId20"/>
+    <p:sldId id="511" r:id="rId21"/>
+    <p:sldId id="432" r:id="rId22"/>
+    <p:sldId id="462" r:id="rId23"/>
+    <p:sldId id="463" r:id="rId24"/>
+    <p:sldId id="464" r:id="rId25"/>
+    <p:sldId id="458" r:id="rId26"/>
+    <p:sldId id="459" r:id="rId27"/>
+    <p:sldId id="460" r:id="rId28"/>
+    <p:sldId id="512" r:id="rId29"/>
+    <p:sldId id="435" r:id="rId30"/>
+    <p:sldId id="461" r:id="rId31"/>
+    <p:sldId id="438" r:id="rId32"/>
+    <p:sldId id="455" r:id="rId33"/>
   </p:sldIdLst>
   <p:sldSz cx="9144000" cy="6858000" type="screen4x3"/>
   <p:notesSz cx="7315200" cy="9601200"/>
   <p:custDataLst>
-    <p:tags r:id="rId32"/>
+    <p:tags r:id="rId36"/>
   </p:custDataLst>
   <p:defaultTextStyle>
     <a:defPPr>
@@ -192,13 +194,174 @@
 <file path=ppt/revisionInfo.xml><?xml version="1.0" encoding="utf-8"?>
 <p1510:revInfo xmlns:a="http://schemas.openxmlformats.org/drawingml/2006/main" xmlns:r="http://schemas.openxmlformats.org/officeDocument/2006/relationships" xmlns:p1510="http://schemas.microsoft.com/office/powerpoint/2015/10/main">
   <p1510:revLst>
-    <p1510:client id="{CE7B34A2-7752-4DDD-B97F-EB2BBD88CC05}" v="1" dt="2024-10-21T13:00:22.494"/>
+    <p1510:client id="{0EC8626F-D6CE-46ED-90C9-CB6DCC6697B2}" v="4" dt="2025-03-19T12:58:20.097"/>
   </p1510:revLst>
 </p1510:revInfo>
 </file>
 
 <file path=ppt/changesInfos/changesInfo1.xml><?xml version="1.0" encoding="utf-8"?>
 <pc:chgInfo xmlns:a="http://schemas.openxmlformats.org/drawingml/2006/main" xmlns:r="http://schemas.openxmlformats.org/officeDocument/2006/relationships" xmlns:ac="http://schemas.microsoft.com/office/drawing/2013/main/command" xmlns:pc="http://schemas.microsoft.com/office/powerpoint/2013/main/command">
+  <pc:docChgLst>
+    <pc:chgData name="Corcoran, Sean" userId="3f12d0a3-3c97-4340-8007-c8fe7e07551f" providerId="ADAL" clId="{0EC8626F-D6CE-46ED-90C9-CB6DCC6697B2}"/>
+    <pc:docChg chg="undo custSel addSld modSld sldOrd">
+      <pc:chgData name="Corcoran, Sean" userId="3f12d0a3-3c97-4340-8007-c8fe7e07551f" providerId="ADAL" clId="{0EC8626F-D6CE-46ED-90C9-CB6DCC6697B2}" dt="2025-03-19T12:58:23.738" v="465" actId="1076"/>
+      <pc:docMkLst>
+        <pc:docMk/>
+      </pc:docMkLst>
+      <pc:sldChg chg="addSp delSp mod modShow">
+        <pc:chgData name="Corcoran, Sean" userId="3f12d0a3-3c97-4340-8007-c8fe7e07551f" providerId="ADAL" clId="{0EC8626F-D6CE-46ED-90C9-CB6DCC6697B2}" dt="2025-03-19T12:39:56.052" v="4" actId="22"/>
+        <pc:sldMkLst>
+          <pc:docMk/>
+          <pc:sldMk cId="0" sldId="303"/>
+        </pc:sldMkLst>
+        <pc:spChg chg="add del">
+          <ac:chgData name="Corcoran, Sean" userId="3f12d0a3-3c97-4340-8007-c8fe7e07551f" providerId="ADAL" clId="{0EC8626F-D6CE-46ED-90C9-CB6DCC6697B2}" dt="2025-03-19T12:39:56.052" v="4" actId="22"/>
+          <ac:spMkLst>
+            <pc:docMk/>
+            <pc:sldMk cId="0" sldId="303"/>
+            <ac:spMk id="4" creationId="{4FF8B950-5396-DDFA-A79E-ED8ACF4BC75A}"/>
+          </ac:spMkLst>
+        </pc:spChg>
+      </pc:sldChg>
+      <pc:sldChg chg="modSp mod">
+        <pc:chgData name="Corcoran, Sean" userId="3f12d0a3-3c97-4340-8007-c8fe7e07551f" providerId="ADAL" clId="{0EC8626F-D6CE-46ED-90C9-CB6DCC6697B2}" dt="2025-03-19T12:53:42.562" v="416" actId="6549"/>
+        <pc:sldMkLst>
+          <pc:docMk/>
+          <pc:sldMk cId="1697645561" sldId="430"/>
+        </pc:sldMkLst>
+        <pc:spChg chg="mod">
+          <ac:chgData name="Corcoran, Sean" userId="3f12d0a3-3c97-4340-8007-c8fe7e07551f" providerId="ADAL" clId="{0EC8626F-D6CE-46ED-90C9-CB6DCC6697B2}" dt="2025-03-19T12:53:42.562" v="416" actId="6549"/>
+          <ac:spMkLst>
+            <pc:docMk/>
+            <pc:sldMk cId="1697645561" sldId="430"/>
+            <ac:spMk id="18438" creationId="{00000000-0000-0000-0000-000000000000}"/>
+          </ac:spMkLst>
+        </pc:spChg>
+      </pc:sldChg>
+      <pc:sldChg chg="modSp mod">
+        <pc:chgData name="Corcoran, Sean" userId="3f12d0a3-3c97-4340-8007-c8fe7e07551f" providerId="ADAL" clId="{0EC8626F-D6CE-46ED-90C9-CB6DCC6697B2}" dt="2025-03-19T12:56:23.868" v="417" actId="255"/>
+        <pc:sldMkLst>
+          <pc:docMk/>
+          <pc:sldMk cId="983775472" sldId="431"/>
+        </pc:sldMkLst>
+        <pc:spChg chg="mod">
+          <ac:chgData name="Corcoran, Sean" userId="3f12d0a3-3c97-4340-8007-c8fe7e07551f" providerId="ADAL" clId="{0EC8626F-D6CE-46ED-90C9-CB6DCC6697B2}" dt="2025-03-19T12:56:23.868" v="417" actId="255"/>
+          <ac:spMkLst>
+            <pc:docMk/>
+            <pc:sldMk cId="983775472" sldId="431"/>
+            <ac:spMk id="2" creationId="{00000000-0000-0000-0000-000000000000}"/>
+          </ac:spMkLst>
+        </pc:spChg>
+      </pc:sldChg>
+      <pc:sldChg chg="modSp mod">
+        <pc:chgData name="Corcoran, Sean" userId="3f12d0a3-3c97-4340-8007-c8fe7e07551f" providerId="ADAL" clId="{0EC8626F-D6CE-46ED-90C9-CB6DCC6697B2}" dt="2025-03-19T12:45:32.186" v="287" actId="20577"/>
+        <pc:sldMkLst>
+          <pc:docMk/>
+          <pc:sldMk cId="1739505237" sldId="433"/>
+        </pc:sldMkLst>
+        <pc:spChg chg="mod">
+          <ac:chgData name="Corcoran, Sean" userId="3f12d0a3-3c97-4340-8007-c8fe7e07551f" providerId="ADAL" clId="{0EC8626F-D6CE-46ED-90C9-CB6DCC6697B2}" dt="2025-03-19T12:45:32.186" v="287" actId="20577"/>
+          <ac:spMkLst>
+            <pc:docMk/>
+            <pc:sldMk cId="1739505237" sldId="433"/>
+            <ac:spMk id="21505" creationId="{00000000-0000-0000-0000-000000000000}"/>
+          </ac:spMkLst>
+        </pc:spChg>
+      </pc:sldChg>
+      <pc:sldChg chg="addSp delSp modSp mod">
+        <pc:chgData name="Corcoran, Sean" userId="3f12d0a3-3c97-4340-8007-c8fe7e07551f" providerId="ADAL" clId="{0EC8626F-D6CE-46ED-90C9-CB6DCC6697B2}" dt="2025-03-19T12:53:18.685" v="384"/>
+        <pc:sldMkLst>
+          <pc:docMk/>
+          <pc:sldMk cId="446855376" sldId="449"/>
+        </pc:sldMkLst>
+        <pc:spChg chg="add del mod">
+          <ac:chgData name="Corcoran, Sean" userId="3f12d0a3-3c97-4340-8007-c8fe7e07551f" providerId="ADAL" clId="{0EC8626F-D6CE-46ED-90C9-CB6DCC6697B2}" dt="2025-03-19T12:53:18.685" v="384"/>
+          <ac:spMkLst>
+            <pc:docMk/>
+            <pc:sldMk cId="446855376" sldId="449"/>
+            <ac:spMk id="2" creationId="{C4D161CB-2B65-DD89-3E2B-3E453293B79C}"/>
+          </ac:spMkLst>
+        </pc:spChg>
+        <pc:spChg chg="del">
+          <ac:chgData name="Corcoran, Sean" userId="3f12d0a3-3c97-4340-8007-c8fe7e07551f" providerId="ADAL" clId="{0EC8626F-D6CE-46ED-90C9-CB6DCC6697B2}" dt="2025-03-19T12:45:09.880" v="278" actId="478"/>
+          <ac:spMkLst>
+            <pc:docMk/>
+            <pc:sldMk cId="446855376" sldId="449"/>
+            <ac:spMk id="10247" creationId="{00000000-0000-0000-0000-000000000000}"/>
+          </ac:spMkLst>
+        </pc:spChg>
+      </pc:sldChg>
+      <pc:sldChg chg="addSp modSp mod ord">
+        <pc:chgData name="Corcoran, Sean" userId="3f12d0a3-3c97-4340-8007-c8fe7e07551f" providerId="ADAL" clId="{0EC8626F-D6CE-46ED-90C9-CB6DCC6697B2}" dt="2025-03-19T12:58:23.738" v="465" actId="1076"/>
+        <pc:sldMkLst>
+          <pc:docMk/>
+          <pc:sldMk cId="2450776688" sldId="451"/>
+        </pc:sldMkLst>
+        <pc:graphicFrameChg chg="add mod">
+          <ac:chgData name="Corcoran, Sean" userId="3f12d0a3-3c97-4340-8007-c8fe7e07551f" providerId="ADAL" clId="{0EC8626F-D6CE-46ED-90C9-CB6DCC6697B2}" dt="2025-03-19T12:58:23.738" v="465" actId="1076"/>
+          <ac:graphicFrameMkLst>
+            <pc:docMk/>
+            <pc:sldMk cId="2450776688" sldId="451"/>
+            <ac:graphicFrameMk id="2" creationId="{EB2BE389-1FB2-829A-B2B6-E61E3125419B}"/>
+          </ac:graphicFrameMkLst>
+        </pc:graphicFrameChg>
+      </pc:sldChg>
+      <pc:sldChg chg="addSp modSp new mod">
+        <pc:chgData name="Corcoran, Sean" userId="3f12d0a3-3c97-4340-8007-c8fe7e07551f" providerId="ADAL" clId="{0EC8626F-D6CE-46ED-90C9-CB6DCC6697B2}" dt="2025-03-19T12:57:35.053" v="461" actId="2710"/>
+        <pc:sldMkLst>
+          <pc:docMk/>
+          <pc:sldMk cId="861452386" sldId="513"/>
+        </pc:sldMkLst>
+        <pc:spChg chg="mod">
+          <ac:chgData name="Corcoran, Sean" userId="3f12d0a3-3c97-4340-8007-c8fe7e07551f" providerId="ADAL" clId="{0EC8626F-D6CE-46ED-90C9-CB6DCC6697B2}" dt="2025-03-19T12:40:44.077" v="41" actId="20577"/>
+          <ac:spMkLst>
+            <pc:docMk/>
+            <pc:sldMk cId="861452386" sldId="513"/>
+            <ac:spMk id="2" creationId="{865C5FF2-2655-CCE2-C48E-32398B283B42}"/>
+          </ac:spMkLst>
+        </pc:spChg>
+        <pc:spChg chg="add mod">
+          <ac:chgData name="Corcoran, Sean" userId="3f12d0a3-3c97-4340-8007-c8fe7e07551f" providerId="ADAL" clId="{0EC8626F-D6CE-46ED-90C9-CB6DCC6697B2}" dt="2025-03-19T12:57:35.053" v="461" actId="2710"/>
+          <ac:spMkLst>
+            <pc:docMk/>
+            <pc:sldMk cId="861452386" sldId="513"/>
+            <ac:spMk id="3" creationId="{1660C574-8D97-8232-92BD-ECE0E340A0AB}"/>
+          </ac:spMkLst>
+        </pc:spChg>
+      </pc:sldChg>
+      <pc:sldChg chg="addSp delSp modSp new mod">
+        <pc:chgData name="Corcoran, Sean" userId="3f12d0a3-3c97-4340-8007-c8fe7e07551f" providerId="ADAL" clId="{0EC8626F-D6CE-46ED-90C9-CB6DCC6697B2}" dt="2025-03-19T12:52:03.318" v="381" actId="14100"/>
+        <pc:sldMkLst>
+          <pc:docMk/>
+          <pc:sldMk cId="1219250852" sldId="514"/>
+        </pc:sldMkLst>
+        <pc:spChg chg="mod">
+          <ac:chgData name="Corcoran, Sean" userId="3f12d0a3-3c97-4340-8007-c8fe7e07551f" providerId="ADAL" clId="{0EC8626F-D6CE-46ED-90C9-CB6DCC6697B2}" dt="2025-03-19T12:51:03.075" v="330" actId="20577"/>
+          <ac:spMkLst>
+            <pc:docMk/>
+            <pc:sldMk cId="1219250852" sldId="514"/>
+            <ac:spMk id="2" creationId="{78895D24-9F99-AF08-FF07-DEF24B1C33C3}"/>
+          </ac:spMkLst>
+        </pc:spChg>
+        <pc:spChg chg="del">
+          <ac:chgData name="Corcoran, Sean" userId="3f12d0a3-3c97-4340-8007-c8fe7e07551f" providerId="ADAL" clId="{0EC8626F-D6CE-46ED-90C9-CB6DCC6697B2}" dt="2025-03-19T12:50:42.665" v="309" actId="478"/>
+          <ac:spMkLst>
+            <pc:docMk/>
+            <pc:sldMk cId="1219250852" sldId="514"/>
+            <ac:spMk id="3" creationId="{EEB2D486-6143-6767-2563-8D24039E48B3}"/>
+          </ac:spMkLst>
+        </pc:spChg>
+        <pc:spChg chg="add mod">
+          <ac:chgData name="Corcoran, Sean" userId="3f12d0a3-3c97-4340-8007-c8fe7e07551f" providerId="ADAL" clId="{0EC8626F-D6CE-46ED-90C9-CB6DCC6697B2}" dt="2025-03-19T12:52:03.318" v="381" actId="14100"/>
+          <ac:spMkLst>
+            <pc:docMk/>
+            <pc:sldMk cId="1219250852" sldId="514"/>
+            <ac:spMk id="4" creationId="{17BDA8C1-D568-FE69-3F02-8F20DC6C0D1B}"/>
+          </ac:spMkLst>
+        </pc:spChg>
+      </pc:sldChg>
+    </pc:docChg>
+  </pc:docChgLst>
   <pc:docChgLst>
     <pc:chgData name="Corcoran, Sean" userId="3f12d0a3-3c97-4340-8007-c8fe7e07551f" providerId="ADAL" clId="{CE7B34A2-7752-4DDD-B97F-EB2BBD88CC05}"/>
     <pc:docChg chg="modSld">
@@ -212,14 +375,6 @@
           <pc:docMk/>
           <pc:sldMk cId="2964980696" sldId="435"/>
         </pc:sldMkLst>
-        <pc:picChg chg="mod">
-          <ac:chgData name="Corcoran, Sean" userId="3f12d0a3-3c97-4340-8007-c8fe7e07551f" providerId="ADAL" clId="{CE7B34A2-7752-4DDD-B97F-EB2BBD88CC05}" dt="2024-10-21T13:00:22.494" v="0" actId="1076"/>
-          <ac:picMkLst>
-            <pc:docMk/>
-            <pc:sldMk cId="2964980696" sldId="435"/>
-            <ac:picMk id="23560" creationId="{00000000-0000-0000-0000-000000000000}"/>
-          </ac:picMkLst>
-        </pc:picChg>
       </pc:sldChg>
     </pc:docChg>
   </pc:docChgLst>
@@ -309,7 +464,7 @@
             <a:fld id="{E2B80615-3765-4759-8F1D-0370A8713FAC}" type="datetimeFigureOut">
               <a:rPr lang="en-US" smtClean="0"/>
               <a:pPr/>
-              <a:t>10/21/2024</a:t>
+              <a:t>3/19/2025</a:t>
             </a:fld>
             <a:endParaRPr lang="en-US"/>
           </a:p>
@@ -486,7 +641,7 @@
   <inkml:trace contextRef="#ctx0" brushRef="#br0">13465 10324 68 0,'0'0'32'0,"-3"0"-25"0,3-3-8 15,0 3 8-15,0 0-6 16,0 0-5-16,0 0 3 16,-3 0 0-16,0 0 1 0,3 0 16 15,0-2-12-15,0 2 12 16,0 0-11-16,-3 0 2 16,1 0-5-1,-4 0 10-15,0 0 2 16,3 0-10-16,0 0 18 15,-6 0-17-15,3 0 9 16,0 2-10-16,0 1 15 16,0 0-15-16,0-1 4 0,0 1-6 15,0 0 2-15,0-1-3 16,0 1 2-16,0 0-2 16,0-1 8-16,3 1-7 15,-3 0 7-15,3-1-6 16,-3 1 1-16,3 2-3 15,0-2-6-15,-3 5 12 16,4 2-6-16,-4 1 8 16,3-3-6-16,0-3 1 15,0 3-3-15,0 0-1 16,0-3 1-16,0 1-1 16,0 1 2-1,3-1-1-15,0-1 5 16,0 0-5-16,0 1-3 15,0-1 2-15,0 0 0 16,0 1 0-16,0-1 0 16,0 0 0-16,0 0 0 15,0 1 0-15,0-1 2 0,3 0-1 16,-3 1-3-16,3-4 1 16,0 3 1-16,-3-2 0 15,0 2 5-15,3-2-4 16,0 0-3-16,-3-1 2 15,0 1 8-15,3 0-6 16,0-1 10-16,0-2-9 16,0 0 18-16,-1 0-16 15,1 0 9-15,0 0-10 16,0 0-5-16,0 0 1 16,0 0 8-16,0-2-6 15,0-1-1-15,0 0 0 16,3 1 10-16,-3-1-9 15,3 0 5-15,0-2-5 16,-3 2 5-16,3 1-6 0,-3-1 6 16,6 1-6-16,-3-4 3 15,0 4-3-15,0-1-1 16,0 0 1 0,0 1-1-16,0-1 0 15,-3 0 0-15,0 1 0 16,0-1 0-16,0 0 0 15,0 1 0-15,0-1 5 16,0-2-4-16,-1 2 6 16,1 1-6-16,0-1 0 15,-3 0 0-15,0 1-1 16,0-1 0-16,0-5 2 0,0 5-1 16,0-5 2-16,0 3-2 15,0-5-3 1,3-1 1-16,-3 3 1 15,0 0 0-15,0 3 0 16,0 0 0-16,0-1 0 16,3 1-3-16,-3 0 2 15,3-1 4-15,-3 4-3 16,0-1 0-16,0 0 1 16,0 1-1-16,0-1 0 15,0 1 5-15,0-1-4 16,0 0 3-16,0 1-3 15,0-1-1-15,0 0 1 16,0 1-1-16,0-1 0 16,0 0-3-16,0 1 2 15,0 2 6-15,0 0-4 0,0 0 6 16,0-3-6-16,0 3 3 16,0 0-3-16,0-3-3 15,0 1 1-15,-3 2 1 16,3-3 0-16,-3 3 0 15,3 0 0-15,-3 0 2 16,0 0-1-16,0 0-1 16,3 0 1-16,-2 0-1 15,2 0 0-15,-3 0-3 0,-3 0 2 16,6 0 4-16,-3 0-3 16,0 0-2-16,3 0 1 15,0 0 4-15,-3 0-3 16,3 0 0-16,-9 0 1 15,3 0-4-15,0 3 2 16,0-3 4-16,0 2-3 16,0-2 0-16,3 3 1 15,0 0-4-15,0-1 2 16,0 1 1-16,0 0 0 16,-3-1 0-16,6-2 0 15,-3 3 0-15,0 2 0 16,0-2 0-16,0 2 0 15,0-2-3-15,0-1 2 0,0 4 4 16,0-4-3-16,-3 4-2 16,0 2 1-16,3 2-8 15,-3-2 7-15,4 0-16 16,-1 0 14-16,0-3-32 16,0 1 28-16,3-1-50 0,0 0 44 15,0 0-72-15,0 1 65 16,0-1-147-1,0-2 129-15,0-1 17 16</inkml:trace>
   <inkml:trace contextRef="#ctx0" brushRef="#br0" timeOffset="734.43">13477 10329 44 0,'0'-2'19'0,"0"2"-15"0,0 0-5 0,0 0 59 0,0 0-46 0,0 0 32 31,0 0-32-31,0 0 27 16,0 0-30-16,0 0 16 16,0 0-19-16,0 0 11 15,0 0-12-15,0 0 13 0,0 5-13 16,0 0 6-16,0-2-8 0,0 2-5 0,0 1 2 15,0-1 3-15,3 0-3 16,-3 0 9-16,0 6-7 16,0 5 5-16,3-3-6 15,-3 0 6 1,0 1-3-16,0-1-2 0,0-3 4 16,3 1-5-16,-3 0 17 15,0-4-14-15,3 1 15 31,-3-2-14-31,0-1 9 16,3 0-11-16,-3-5 7 16,0 3-7-16,3-3 9 15,-3 3-9-15,0-3-4 0,0 0 1 0,0-3 0 16,0 3 0-16,0 0-3 16,0 0 2-16,0 0-66 0,0 0 52 15,0 0-101-15,0 0 88 16,0 0-130-1</inkml:trace>
   <inkml:trace contextRef="#ctx0" brushRef="#br0" timeOffset="4250.54">12462 14674 104 0,'-3'0'46'0,"3"-3"-37"0,-3 3-11 0,0 3 27 15,3-3-20-15,-3 0 15 16,0 0-15-16,-3 0 11 16,3 0-11-16,1 0 16 15,-1-3-16-15,0 1 18 0,0-1-18 16,0 0 9-16,0 3-10 15,3 0 1-15,-6 0-4 16,-3 0 2-16,0 0-2 16,0 0-3-16,-3 0 10 15,3 0-7 1,0 0 6-16,0 0-6 16,3 0 3-16,0 0-3 15,0 3-3-15,3 0 1 16,-3-1 4-16,3 1-3 15,-3 2 0 1,3 6 1-16,1-3-1 0,-1 5 8 16,0-3-6-1,0 1-1-15,0-3-3 16,0 0 1-16,0 0-2 16,0 0 2-16,0 0 9 15,3-3-6-15,0 0-1 16,-3 1 0-16,3-1 1 15,0 0-1-15,0 0-1 16,0 1 1-16,0-1-4 0,0 0 2 16,0 1 1-16,0-1 0 15,0 0 2-15,0 0-1 16,0-2-3-16,3 0 1 16,0-1 6-16,0 1-4 15,0 0 3-15,0-1-3 16,0-2 2-16,0 8-5 15,0-2 2 1,0-1 0-16,-1-2 0 16,1-1 2-16,0 1-1 15,0-1 5-15,6-2 1 16,0 0-5 0,6-2-1-1,-3 2 0-15,-3-3-1 16,0 1 0-16,-3-1 0 0,0 0 0 15,0 1 0-15,0-1 2 16,-3 0-1-16,3 1-6 16,-3-1 4-16,0-2 6 15,0-1-5-15,0 1-2 16,0 2 2-16,0-2-3 16,0 0 2-16,-1 0-2 15,1-1 2-15,0 1 1 16,0 0 0-16,0-1 0 15,0 1 0-15,0 0 2 16,0 0-1-16,0-1-3 16,0 1 1-16,0-3 6 0,-3 0-4 15,3-5 6 1,-3 2-6-16,0 1 0 16,0-1 0-16,0 1-1 15,0 2 0-15,0 0 0 16,0 0 0-16,0 2 0 15,0 1-3-15,0 3 2 16,0-1 4-16,0 0-3 16,0 3 0-16,0 0 1 15,0 0-1-15,-3 3 0 16,3 2 0-16,0 0 0 16,0 1-3-16,0-1 2 15,0 0 6-15,3 9 5 16,-3-1-8-16,0-3 6 15,0 1-7 1,0 0 6-16,0-1-6 0,3 1 9 16,-3-1-8-16,0-2 2 15,0 0-3-15,0 0 5 16,0 0-5-16,0 0 9 16,0-3-8-16,0 1 10 15,0-1-9-15,3 0 2 16,-3 0-4-16,3 3-1 15,0-8 1-15,-3 6-4 16,0-6 2-16,0 5 1 16,0-2 0-16,0 5 2 0,3-8-1 15,-3 0-3-15,0 0 1 16,0 5-22-16,0-5 18 16,3 5-31-16,-3 0 27 15,0-2-30-15,3 0 30 16,-3 2-46-16,3-2 41 15,0-1-113 1,-3-2 97-16,3-5-57 16</inkml:trace>
-  <inkml:trace contextRef="#ctx0" brushRef="#br0" timeOffset="8693.45">21279 8824 92 0,'3'0'42'0,"-6"0"-33"0,3 3-11 0,0-3 27 0,0 0-20 16,0 0 15-16,0 0-15 15,0 0 14-15,0 0-14 16,0-3 11-16,0 3-11 16,-3-3 2-16,3 3-5 15,0 0 8-15,-3 0-8 0,0-2 5 16,-6 2 3 0,3 0-8-16,0 0 8 15,-3 2 4-15,0 1-10 16,3-3 6-16,0 0-7 15,0 0 6-15,0 0-6 16,0 0-5-16,1 0 2 16,-1 0 5-16,0 0-4 15,3 0-5-15,0 3 3 16,-3-1 3-16,6-2-2 16,-6 0 0-16,0 3 1 15,0-1-1-15,3 1 0 16,-3 0-3-16,0 2 2 15,0-2 6-15,3 2-4 16,0 0-5-16,-3-2 3 16,0 0 3-16,0 2-2 15,6-3 0-15,-3 4 1 0,3-4-1 16,-6 4 0-16,3-1-3 16,-6 0 2-16,3 1 1 15,0-1 0-15,1 0 2 16,2 0-1-16,0 3-3 15,0-2 1-15,0-1 1 16,0 0 0-16,3 1 0 16,-3-1 0-16,3-2 0 15,0 2 0-15,0 0 2 16,0 0-1-16,0-2 8 16,0 0-7-16,0 2 2 15,0-2-3-15,3-1-1 0,-3 1 1 16,0 0-1-16,3-1-3 15,3 1 2 1,-3 2 1-16,0 0 0 16,0 1 0-16,-1-1 0 15,4-2 0-15,0-1 0 16,0 6 2 0,0-2 7-16,-3-1-6 15,0-3-2-15,0 1 0 16,0 0 1-16,0-1-1 15,0-2-3-15,0 0 1 16,0 0 9-16,0 0-6 16,0 0 2-16,0-5-3 15,0 0 2 1,0 2-2-16,0 1-3 16,0-1 1-16,0 0 1 15,0 1 0-15,0-6 2 16,0 0-1-1,0 2-1-15,0 1 1 16,0 0-1-16,0 0-3 16,0-1 2-16,0 1 4 15,0 0-3-15,0 2 0 16,0-2 1-16,0-1-1 16,0 1 0-16,-3 0 0 15,3 0 0-15,-3-1 2 16,0 1-1-16,0 0-1 0,0-1 1 15,0 1-4-15,0 0 2 16,0 0 1-16,0-1 0 16,3 1 5-16,-3 0-4 15,3-1-3-15,-1 1 2 16,-2 0 3-16,6-1-3 16,-3 1 3-16,-3 3-2 15,0-1 8-15,0 0-7 16,0 3-4-16,3 0 2 15,-3 0-3-15,0 0 2 16,0 0 1-16,0 0 2 16,3 3-1-1,0 2 5-15,0 0-5 16,0 1-3-16,-3-1 2 16,0 0 5-16,0 3-4 15,-3 0 0-15,6 0 0 0,-3 0 1 16,-3 0-1-16,0 0-1 15,6 0 1-15,-6 0-1 16,0 0 0-16,0 0 5 16,3-3-4-16,3 6 0 15,0 2 5 1,0-3-5-16,0 1 3 16,0 0-3-16,0-3 8 15,0-1-7-15,0 1 10 16,-3-2-9-16,0-1 2 0,0-2-4 15,0-1-1-15,0 1 1 16,6-3-1 0,0 0 0-1,0 0-42-15,-6 0-85 16,3 0 96 0,0 0-157-1</inkml:trace>
+  <inkml:trace contextRef="#ctx0" brushRef="#br0" timeOffset="8693.44">21279 8824 92 0,'3'0'42'0,"-6"0"-33"0,3 3-11 0,0-3 27 0,0 0-20 16,0 0 15-16,0 0-15 15,0 0 14-15,0 0-14 16,0-3 11-16,0 3-11 16,-3-3 2-16,3 3-5 15,0 0 8-15,-3 0-8 0,0-2 5 16,-6 2 3 0,3 0-8-16,0 0 8 15,-3 2 4-15,0 1-10 16,3-3 6-16,0 0-7 15,0 0 6-15,0 0-6 16,0 0-5-16,1 0 2 16,-1 0 5-16,0 0-4 15,3 0-5-15,0 3 3 16,-3-1 3-16,6-2-2 16,-6 0 0-16,0 3 1 15,0-1-1-15,3 1 0 16,-3 0-3-16,0 2 2 15,0-2 6-15,3 2-4 16,0 0-5-16,-3-2 3 16,0 0 3-16,0 2-2 15,6-3 0-15,-3 4 1 0,3-4-1 16,-6 4 0-16,3-1-3 16,-6 0 2-16,3 1 1 15,0-1 0-15,1 0 2 16,2 0-1-16,0 3-3 15,0-2 1-15,0-1 1 16,0 0 0-16,3 1 0 16,-3-1 0-16,3-2 0 15,0 2 0-15,0 0 2 16,0 0-1-16,0-2 8 16,0 0-7-16,0 2 2 15,0-2-3-15,3-1-1 0,-3 1 1 16,0 0-1-16,3-1-3 15,3 1 2 1,-3 2 1-16,0 0 0 16,0 1 0-16,-1-1 0 15,4-2 0-15,0-1 0 16,0 6 2 0,0-2 7-16,-3-1-6 15,0-3-2-15,0 1 0 16,0 0 1-16,0-1-1 15,0-2-3-15,0 0 1 16,0 0 9-16,0 0-6 16,0 0 2-16,0-5-3 15,0 0 2 1,0 2-2-16,0 1-3 16,0-1 1-16,0 0 1 15,0 1 0-15,0-6 2 16,0 0-1-1,0 2-1-15,0 1 1 16,0 0-1-16,0 0-3 16,0-1 2-16,0 1 4 15,0 0-3-15,0 2 0 16,0-2 1-16,0-1-1 16,0 1 0-16,-3 0 0 15,3 0 0-15,-3-1 2 16,0 1-1-16,0 0-1 0,0-1 1 15,0 1-4-15,0 0 2 16,0 0 1-16,0-1 0 16,3 1 5-16,-3 0-4 15,3-1-3-15,-1 1 2 16,-2 0 3-16,6-1-3 16,-3 1 3-16,-3 3-2 15,0-1 8-15,0 0-7 16,0 3-4-16,3 0 2 15,-3 0-3-15,0 0 2 16,0 0 1-16,0 0 2 16,3 3-1-1,0 2 5-15,0 0-5 16,0 1-3-16,-3-1 2 16,0 0 5-16,0 3-4 15,-3 0 0-15,6 0 0 0,-3 0 1 16,-3 0-1-16,0 0-1 15,6 0 1-15,-6 0-1 16,0 0 0-16,0 0 5 16,3-3-4-16,3 6 0 15,0 2 5 1,0-3-5-16,0 1 3 16,0 0-3-16,0-3 8 15,0-1-7-15,0 1 10 16,-3-2-9-16,0-1 2 0,0-2-4 15,0-1-1-15,0 1 1 16,6-3-1 0,0 0 0-1,0 0-42-15,-6 0-85 16,3 0 96 0,0 0-157-1</inkml:trace>
   <inkml:trace contextRef="#ctx0" brushRef="#br0" timeOffset="11600.18">21952 14756 84 0,'3'0'39'0,"-3"0"-31"0,0 0-10 16,0-5 44-16,0 5-34 15,0 0 26-15,0 0-25 16,0 0 17-16,0 0-19 0,0 0 13 16,0 0-15-16,0 0 14 15,0 0-14-15,0 0 20 0,0 0-19 16,-3 2 5-16,3-2-7 16,-3 0-3-16,-3 0 2 15,3-5-2 1,0 0 5-16,-3 2-5 15,3-5 9-15,-3 3-8 16,0-1 13-16,0 1-11 16,0 2 9-16,0 1-10 15,0-1 4-15,0 1-5 16,0-1 5-16,3 3-6 16,-3-3-5-16,0 1 3 15,0 2 0-15,0 0 1 16,3 0 8-16,-3-3-6 15,3 3 7-15,3 0-6 0,-5 0 6 16,-1 3-6-16,3-1-5 16,-3 6 8-1,-3 5-5 1,3-2-1-16,0 0 9 16,0-3-7-16,0-1-7 15,3 1 5-15,-3 0 19 16,3-2-16-16,-3-1 17 15,3 0-15-15,0 1 0 16,-3 1-3-16,0-1 1 16,3 2-2-16,-3-3 2 0,3 0-2 15,-3 1 2-15,3-1-2 16,0 5-1-16,0-2 1 16,0 3 10-1,0 0-14-15,0-1 3 16,0 1 0-16,0-3 0 15,1 0 0-15,2-3 0 16,-3 3 5-16,3-3-4 16,0 0 0-16,3 1 0 15,-3-1 4-15,2 0-4 16,1 1 6-16,0-4-6 16,0 1 3-16,0 2-3 15,0-2 5-15,3-1-5 16,0 1 3-16,-3-3-3 15,3 0 2-15,-3 0-2 16,0 0-1-16,3 0 1 16,0 0-1-16,0 0 2 15,0-3-1-15,0 3-1 16,0-2 1-16,0-1-1 16,0 0 0-16,0 1-3 15,0-1 2-15,3 1 4 16,-6-4-3-16,0 4 6 15,0-4-5-15,0 4-8 16,0-4 5-16,-1 4 4 16,1-4-2-16,0 4-2 0,0-6 1 15,0 0 1-15,0 3 0 16,0-1 0-16,0-2 0 16,-3 0 2-16,3 3-1 15,-3 0-1-15,6-3 1 16,0 3-7-16,-3-1 5 15,0 1 0-15,0 0 1 16,0-1 0-16,0 1 0 16,-3 0-9-16,0 2 7 15,0-2-2-15,3 0 3 16,-3 2 1-16,0-2 0 16,0-1-3-16,6 4 2 15,-3-3-2-15,-3 2 2 16,3 0 4-16,0 1-3 15,0-1 0-15,0 0 1 16,0 1-1-16,-3-1 0 0,0 0-3 16,0 1 2-16,0-1 4 15,0 3-3-15,0-3-2 16,3 3 1-16,-3 0-2 16,0 0 2-16,0 0 9 15,0 0-6-15,0 0 2 16,0 0-3-16,0 0 8 15,0 3-7-15,0 0 2 16,0-1-3-16,0 1-6 16,0 2 9-16,0 1-3 15,0-1 2 1,0 0-2-16,0 0 5 0,0 1-5 16,0-1 6-16,0 0-6 15,0 1 6-15,0-1-6 16,0 0-5-16,0 0 3 15,-3 11 6 1,3-2-5-16,0-4 1 16,0 1 5-16,0-3-5 15,0 0 3-15,3 0-3 16,-3 0-1-16,3-3 1 16,-3 0 4-16,0 0-4 15,0-2 0-15,0 0 0 16,0 2 4-1,0 0-4-15,0 1 0 16,0-1 2-16,0 0-2 0,0-2-3 16,0-1 1-16,0 1-8 15,0-3 7-15,0 3-24 16,0-3 20-16,0 0-28 16,0 0 25-16,0 0-68 15,0 0 59-15,0 0-113 16,3 0 100-16,0-3-173 15</inkml:trace>
   <inkml:trace contextRef="#ctx0" brushRef="#br0" timeOffset="14022.34">19508 16018 112 0,'3'0'52'0,"-3"0"-41"0,0 0-14 0,0 0 40 16,0 0-30-16,0 0 7 16,0 0-10-16,-3 0 3 15,-6 0-6-15,3 0 0 0,0-5-3 16,0 5 1-16,-3 0-2 16,3 0 2-16,0 0 4 15,0 0-3-15,0 0 0 16,0 5 1-16,-3-2 15 15,3-1-12-15,-2 1 4 16,-1 2-6-16,3 0 2 16,-3 1-3-16,3-1-6 15,-3 0 4-15,3 1 14 16,-3 2-10-16,0-3 13 16,3 3-12-16,0 5 3 0,0-2-5 15,0-1-1-15,0 1 0 16,0-3 4-16,3 2-4 15,0-2 11-15,3 3-9 16,0 2 13-16,0-5-12 16,-3 8-2-16,3-6-1 15,0 1 1-15,0 0-1 16,0-1 11-16,0-2-10 16,3 0 19-16,0-3-16 15,0 3 7-15,0-2-9 16,0 1-2-16,3-4 0 15,0 2 7-15,3-2-6 16,0-3 5-16,-3 5-6 16,3-5 0-16,0 0 0 0,-3-5 4 15,3 5-4-15,0-3-3 16,-3-2 2-16,0 0 3 16,0 0-3-16,-1-1-2 15,-2 1 1-15,0-3-8 16,3 3 2-1,-3-3 4-15,3 0 2 16,0 0 1-16,-3-3-3 16,0 3 2-16,0 0 1 15,0 1 0-15,-3-4-3 16,0 6 2-16,0-3-8 16,0 2 7-16,3-4-4 0,-3 2 4 15,0-5 1-15,0 2 1 16,0 0 2-1,0 4 2-15,0-1-3 16,0 0 2-16,3 0-2 16,-3 2-1-16,3 1 1 15,-3 3 7-15,0-1-6 16,0 0-4-16,0 1 2 16,0-1 3-16,0 0-3 15,0 1-2-15,0 2 1 16,0-3 6-16,0 3-4 15,0 0 9-15,0 0-8 16,0 0-1-16,0 0 0 16,-6 5 4-16,6-5-4 15,0 3 3-15,0 2-3 16,0-2 2-16,0 2-2 0,0-2 8 16,0 10-2-1,3 0-4-15,-3 0 4 16,0-2-6-16,3 2 6 15,-3-2-6-15,6 2 0 16,-3-2 0-16,3 2 4 16,-3-2-4-16,3 2 3 15,0-3-3-15,0 1-6 16,0-3 4-16,0 2 3 16,0-2-2-16,0 0 0 15,0 0 1-15,0-2-4 0,-3-1 2 16,-1 0 1-16,1-5 0 15,0 5-54-15,0-5 43 16,-3 0-95-16,0 0 82 16,0-5-181-1</inkml:trace>
   <inkml:trace contextRef="#ctx0" brushRef="#br0" timeOffset="16506.8">19341 9737 32 0,'-3'0'16'0,"3"0"-13"16,-6 0-3-16,6 0 40 0,0 0-32 16,0 0 45-16,0 0-40 15,0 0 11-15,0 0-17 16,0 0 9-16,-3 0-11 16,-3 0 8-16,3-3-10 15,0 3 10-15,0 0-10 16,-3 0 13-16,0-3-12 0,3 3 9 0,0 0-10 15,-2 0-4-15,-1 0 1 16,0 0 0-16,0 3 0 16,-6-3-3-16,3 0 2 15,0 3 9-15,-3-3-6 16,3 2-1-16,0-2 0 16,0 3 7-16,3 0-6 15,0-1 7-15,0 1-6 16,0 2-10-16,0-2 5 15,3 2 7-15,0 0-5 16,1 1 4-16,-4-4-3 16,0 4 8-16,3-1-7 15,-3 0-1 1,0 11 0-16,3-3-1 16,0 1-3-16,0-4 2 15,0 1 1-15,0-3 0 0,0 0 2 16,3 0-1-16,0-3-3 15,0 0 1-15,0 0 1 16,0 1 0-16,3-1 2 16,-3 0-1-16,3 1 2 15,0-1-2-15,0 0-6 16,0 0 4-16,0 1 6 16,0-1-5-16,0 0-4 15,0 1 3-15,0-4 11 16,3 1-8-16,0 0 11 15,-1-1-10-15,13 1 10 16,0-3-4-16,-3 0-6 16,-3 0 4-16,0-3-3 15,0 1-2 1,0-1-2-16,-3 0 1 16,0-2 7-16,-3 0-6 15,-1 2-1-15,-2-2 0 16,3-1-1-16,-3 1 0 15,0 0 0-15,0 0 0 16,0-1-3-16,0 1 2 16,-3 0 6-16,0-1-4 15,3-2 3-15,-3-5-3 16,0 3-1-16,0-1 1 16,0 3 4-16,0 0-4 15,0 3 6-15,0-3-3 16,0 0-2-16,3 3-2 15,-3-3 1-15,3 3 1 16,0-1-1-16,-3 1 5 16,3 0-5-16,-3 2 0 15,0-2 0-15,0 5 1 16,0-3-1-16,0 3-1 16,0 0 1-16,0 0 1 15,0 0-1-15,0 5-3 16,0-2 1-16,0 2 1 15,0 1 0-15,0-1 0 0,0 0 0 16,0 6 2-16,0-1-1 16,0 4-6-1,0-1 4-15,0-3 0 16,0 1 3-16,0 0-1 16,0-1-3-16,0 1 1 15,3-3 1-15,0 0 0 16,0 0 2-16,0-1-1 15,0-1-3-15,0-1 1 16,0 0-2-16,0 1 2 16,0 2 4-16,0 0-3 15,0-3 3-15,0 0-2 16,0 0-1 0,0 3-2-16,0-8 1 15,0 6-19-15,0-6 16 16,0 0-33-16,0 0 29 0,0 5-36 15,0-2 33-15,0-1-67 16,-3 1 59-16,0-1-134 16</inkml:trace>
@@ -1117,7 +1272,7 @@
             <a:fld id="{F7755295-DBA5-453D-8CD7-B32EC097355D}" type="slidenum">
               <a:rPr lang="en-US" smtClean="0"/>
               <a:pPr/>
-              <a:t>3</a:t>
+              <a:t>4</a:t>
             </a:fld>
             <a:endParaRPr lang="en-US"/>
           </a:p>
@@ -1173,7 +1328,7 @@
             <a:fld id="{B13655C5-008A-41BE-A3C1-3155C7C89A74}" type="slidenum">
               <a:rPr lang="en-US"/>
               <a:pPr/>
-              <a:t>4</a:t>
+              <a:t>5</a:t>
             </a:fld>
             <a:endParaRPr lang="en-US"/>
           </a:p>
@@ -1299,7 +1454,7 @@
             <a:fld id="{F7755295-DBA5-453D-8CD7-B32EC097355D}" type="slidenum">
               <a:rPr lang="en-US" smtClean="0"/>
               <a:pPr/>
-              <a:t>8</a:t>
+              <a:t>9</a:t>
             </a:fld>
             <a:endParaRPr lang="en-US"/>
           </a:p>
@@ -1425,7 +1580,7 @@
             <a:fld id="{F7755295-DBA5-453D-8CD7-B32EC097355D}" type="slidenum">
               <a:rPr lang="en-US" smtClean="0"/>
               <a:pPr/>
-              <a:t>10</a:t>
+              <a:t>11</a:t>
             </a:fld>
             <a:endParaRPr lang="en-US"/>
           </a:p>
@@ -1510,7 +1665,7 @@
             <a:fld id="{F7755295-DBA5-453D-8CD7-B32EC097355D}" type="slidenum">
               <a:rPr lang="en-US" smtClean="0"/>
               <a:pPr/>
-              <a:t>12</a:t>
+              <a:t>14</a:t>
             </a:fld>
             <a:endParaRPr lang="en-US"/>
           </a:p>
@@ -1566,7 +1721,7 @@
             <a:fld id="{4D013714-2795-4696-B272-EB8A29A76E39}" type="slidenum">
               <a:rPr lang="en-US"/>
               <a:pPr/>
-              <a:t>28</a:t>
+              <a:t>30</a:t>
             </a:fld>
             <a:endParaRPr lang="en-US"/>
           </a:p>
@@ -4312,7 +4467,7 @@
 </file>
 
 <file path=ppt/slides/slide1.xml><?xml version="1.0" encoding="utf-8"?>
-<p:sld xmlns:a="http://schemas.openxmlformats.org/drawingml/2006/main" xmlns:r="http://schemas.openxmlformats.org/officeDocument/2006/relationships" xmlns:p="http://schemas.openxmlformats.org/presentationml/2006/main">
+<p:sld xmlns:a="http://schemas.openxmlformats.org/drawingml/2006/main" xmlns:r="http://schemas.openxmlformats.org/officeDocument/2006/relationships" xmlns:p="http://schemas.openxmlformats.org/presentationml/2006/main" show="0">
   <p:cSld>
     <p:spTree>
       <p:nvGrpSpPr>
@@ -4541,6 +4696,77 @@
       </p:grpSpPr>
       <p:sp>
         <p:nvSpPr>
+          <p:cNvPr id="4" name="Title 3"/>
+          <p:cNvSpPr>
+            <a:spLocks noGrp="1"/>
+          </p:cNvSpPr>
+          <p:nvPr>
+            <p:ph type="title"/>
+          </p:nvPr>
+        </p:nvSpPr>
+        <p:spPr/>
+        <p:txBody>
+          <a:bodyPr/>
+          <a:lstStyle/>
+          <a:p>
+            <a:r>
+              <a:rPr lang="en-US" dirty="0"/>
+              <a:t>Fracture mechanics</a:t>
+            </a:r>
+          </a:p>
+        </p:txBody>
+      </p:sp>
+      <p:sp>
+        <p:nvSpPr>
+          <p:cNvPr id="5" name="Text Placeholder 4"/>
+          <p:cNvSpPr>
+            <a:spLocks noGrp="1"/>
+          </p:cNvSpPr>
+          <p:nvPr>
+            <p:ph type="body" idx="1"/>
+          </p:nvPr>
+        </p:nvSpPr>
+        <p:spPr/>
+        <p:txBody>
+          <a:bodyPr/>
+          <a:lstStyle/>
+          <a:p>
+            <a:endParaRPr lang="en-US"/>
+          </a:p>
+        </p:txBody>
+      </p:sp>
+    </p:spTree>
+    <p:extLst>
+      <p:ext uri="{BB962C8B-B14F-4D97-AF65-F5344CB8AC3E}">
+        <p14:creationId xmlns:p14="http://schemas.microsoft.com/office/powerpoint/2010/main" val="3559449581"/>
+      </p:ext>
+    </p:extLst>
+  </p:cSld>
+  <p:clrMapOvr>
+    <a:masterClrMapping/>
+  </p:clrMapOvr>
+</p:sld>
+</file>
+
+<file path=ppt/slides/slide11.xml><?xml version="1.0" encoding="utf-8"?>
+<p:sld xmlns:a="http://schemas.openxmlformats.org/drawingml/2006/main" xmlns:r="http://schemas.openxmlformats.org/officeDocument/2006/relationships" xmlns:p="http://schemas.openxmlformats.org/presentationml/2006/main">
+  <p:cSld>
+    <p:spTree>
+      <p:nvGrpSpPr>
+        <p:cNvPr id="1" name=""/>
+        <p:cNvGrpSpPr/>
+        <p:nvPr/>
+      </p:nvGrpSpPr>
+      <p:grpSpPr>
+        <a:xfrm>
+          <a:off x="0" y="0"/>
+          <a:ext cx="0" cy="0"/>
+          <a:chOff x="0" y="0"/>
+          <a:chExt cx="0" cy="0"/>
+        </a:xfrm>
+      </p:grpSpPr>
+      <p:sp>
+        <p:nvSpPr>
           <p:cNvPr id="21505" name="Title 7"/>
           <p:cNvSpPr>
             <a:spLocks noGrp="1"/>
@@ -4561,15 +4787,7 @@
           <a:p>
             <a:r>
               <a:rPr lang="en-US" sz="2800" dirty="0"/>
-              <a:t>Critical stress for crack propagation in a brittle material (Griffith Criterion </a:t>
-            </a:r>
-            <a:r>
-              <a:rPr lang="en-US" sz="2800" dirty="0" err="1"/>
-              <a:t>equ</a:t>
-            </a:r>
-            <a:r>
-              <a:rPr lang="en-US" sz="2800" dirty="0"/>
-              <a:t>. 8.3)</a:t>
+              <a:t>Critical stress for crack propagation in a brittle material (Griffith Criterion)</a:t>
             </a:r>
             <a:endParaRPr lang="en-US" sz="2800" i="1" baseline="-25000" dirty="0"/>
           </a:p>
@@ -5666,7 +5884,7 @@
 </p:sld>
 </file>
 
-<file path=ppt/slides/slide11.xml><?xml version="1.0" encoding="utf-8"?>
+<file path=ppt/slides/slide12.xml><?xml version="1.0" encoding="utf-8"?>
 <p:sld xmlns:a="http://schemas.openxmlformats.org/drawingml/2006/main" xmlns:r="http://schemas.openxmlformats.org/officeDocument/2006/relationships" xmlns:p="http://schemas.openxmlformats.org/presentationml/2006/main">
   <p:cSld>
     <p:spTree>
@@ -6533,7 +6751,100 @@
 </p:sld>
 </file>
 
-<file path=ppt/slides/slide12.xml><?xml version="1.0" encoding="utf-8"?>
+<file path=ppt/slides/slide13.xml><?xml version="1.0" encoding="utf-8"?>
+<p:sld xmlns:a="http://schemas.openxmlformats.org/drawingml/2006/main" xmlns:r="http://schemas.openxmlformats.org/officeDocument/2006/relationships" xmlns:p="http://schemas.openxmlformats.org/presentationml/2006/main">
+  <p:cSld>
+    <p:spTree>
+      <p:nvGrpSpPr>
+        <p:cNvPr id="1" name=""/>
+        <p:cNvGrpSpPr/>
+        <p:nvPr/>
+      </p:nvGrpSpPr>
+      <p:grpSpPr>
+        <a:xfrm>
+          <a:off x="0" y="0"/>
+          <a:ext cx="0" cy="0"/>
+          <a:chOff x="0" y="0"/>
+          <a:chExt cx="0" cy="0"/>
+        </a:xfrm>
+      </p:grpSpPr>
+      <p:sp>
+        <p:nvSpPr>
+          <p:cNvPr id="2" name="Title 1">
+            <a:extLst>
+              <a:ext uri="{FF2B5EF4-FFF2-40B4-BE49-F238E27FC236}">
+                <a16:creationId xmlns:a16="http://schemas.microsoft.com/office/drawing/2014/main" id="{78895D24-9F99-AF08-FF07-DEF24B1C33C3}"/>
+              </a:ext>
+            </a:extLst>
+          </p:cNvPr>
+          <p:cNvSpPr>
+            <a:spLocks noGrp="1"/>
+          </p:cNvSpPr>
+          <p:nvPr>
+            <p:ph type="title"/>
+          </p:nvPr>
+        </p:nvSpPr>
+        <p:spPr/>
+        <p:txBody>
+          <a:bodyPr/>
+          <a:lstStyle/>
+          <a:p>
+            <a:r>
+              <a:rPr lang="en-US" dirty="0"/>
+              <a:t>Stress Concentration &amp; Fracture toughness</a:t>
+            </a:r>
+          </a:p>
+        </p:txBody>
+      </p:sp>
+      <p:sp>
+        <p:nvSpPr>
+          <p:cNvPr id="4" name="TextBox 3">
+            <a:extLst>
+              <a:ext uri="{FF2B5EF4-FFF2-40B4-BE49-F238E27FC236}">
+                <a16:creationId xmlns:a16="http://schemas.microsoft.com/office/drawing/2014/main" id="{17BDA8C1-D568-FE69-3F02-8F20DC6C0D1B}"/>
+              </a:ext>
+            </a:extLst>
+          </p:cNvPr>
+          <p:cNvSpPr txBox="1"/>
+          <p:nvPr/>
+        </p:nvSpPr>
+        <p:spPr>
+          <a:xfrm>
+            <a:off x="838200" y="1447800"/>
+            <a:ext cx="7162800" cy="523220"/>
+          </a:xfrm>
+          <a:prstGeom prst="rect">
+            <a:avLst/>
+          </a:prstGeom>
+          <a:noFill/>
+        </p:spPr>
+        <p:txBody>
+          <a:bodyPr wrap="square" rtlCol="0">
+            <a:spAutoFit/>
+          </a:bodyPr>
+          <a:lstStyle/>
+          <a:p>
+            <a:r>
+              <a:rPr lang="en-US" sz="2800" dirty="0"/>
+              <a:t>Non-brittle materials i.e. ductile materials</a:t>
+            </a:r>
+          </a:p>
+        </p:txBody>
+      </p:sp>
+    </p:spTree>
+    <p:extLst>
+      <p:ext uri="{BB962C8B-B14F-4D97-AF65-F5344CB8AC3E}">
+        <p14:creationId xmlns:p14="http://schemas.microsoft.com/office/powerpoint/2010/main" val="1219250852"/>
+      </p:ext>
+    </p:extLst>
+  </p:cSld>
+  <p:clrMapOvr>
+    <a:masterClrMapping/>
+  </p:clrMapOvr>
+</p:sld>
+</file>
+
+<file path=ppt/slides/slide14.xml><?xml version="1.0" encoding="utf-8"?>
 <p:sld xmlns:a="http://schemas.openxmlformats.org/drawingml/2006/main" xmlns:r="http://schemas.openxmlformats.org/officeDocument/2006/relationships" xmlns:p="http://schemas.openxmlformats.org/presentationml/2006/main">
   <p:cSld>
     <p:spTree>
@@ -6563,7 +6874,7 @@
           </p:nvPr>
         </p:nvPicPr>
         <p:blipFill>
-          <a:blip r:embed="rId17" cstate="print"/>
+          <a:blip r:embed="rId16" cstate="print"/>
           <a:srcRect b="4341"/>
           <a:stretch>
             <a:fillRect/>
@@ -6672,59 +6983,13 @@
       </p:sp>
       <p:sp>
         <p:nvSpPr>
-          <p:cNvPr id="10247" name="Text Box 7"/>
-          <p:cNvSpPr txBox="1">
-            <a:spLocks noChangeArrowheads="1"/>
-          </p:cNvSpPr>
-          <p:nvPr>
-            <p:custDataLst>
-              <p:tags r:id="rId4"/>
-            </p:custDataLst>
-          </p:nvPr>
-        </p:nvSpPr>
-        <p:spPr bwMode="auto">
-          <a:xfrm>
-            <a:off x="228600" y="6248400"/>
-            <a:ext cx="7096815" cy="369332"/>
-          </a:xfrm>
-          <a:prstGeom prst="rect">
-            <a:avLst/>
-          </a:prstGeom>
-          <a:noFill/>
-          <a:ln w="9525">
-            <a:noFill/>
-            <a:miter lim="800000"/>
-            <a:headEnd/>
-            <a:tailEnd/>
-          </a:ln>
-          <a:effectLst/>
-        </p:spPr>
-        <p:txBody>
-          <a:bodyPr wrap="none">
-            <a:spAutoFit/>
-          </a:bodyPr>
-          <a:lstStyle/>
-          <a:p>
-            <a:r>
-              <a:rPr lang="en-US" sz="1800" dirty="0">
-                <a:solidFill>
-                  <a:srgbClr val="006600"/>
-                </a:solidFill>
-              </a:rPr>
-              <a:t>The equations in the book have the “1” left out as an approximation.</a:t>
-            </a:r>
-          </a:p>
-        </p:txBody>
-      </p:sp>
-      <p:sp>
-        <p:nvSpPr>
           <p:cNvPr id="10248" name="Rectangle 8"/>
           <p:cNvSpPr>
             <a:spLocks noChangeArrowheads="1"/>
           </p:cNvSpPr>
           <p:nvPr>
             <p:custDataLst>
-              <p:tags r:id="rId5"/>
+              <p:tags r:id="rId4"/>
             </p:custDataLst>
           </p:nvPr>
         </p:nvSpPr>
@@ -6763,7 +7028,7 @@
           </p:cNvSpPr>
           <p:nvPr>
             <p:custDataLst>
-              <p:tags r:id="rId6"/>
+              <p:tags r:id="rId5"/>
             </p:custDataLst>
           </p:nvPr>
         </p:nvSpPr>
@@ -6797,6 +7062,45 @@
       <p:sp>
         <p:nvSpPr>
           <p:cNvPr id="10252" name="Rectangle 12"/>
+          <p:cNvSpPr>
+            <a:spLocks noChangeArrowheads="1"/>
+          </p:cNvSpPr>
+          <p:nvPr>
+            <p:custDataLst>
+              <p:tags r:id="rId6"/>
+            </p:custDataLst>
+          </p:nvPr>
+        </p:nvSpPr>
+        <p:spPr bwMode="auto">
+          <a:xfrm>
+            <a:off x="0" y="2495550"/>
+            <a:ext cx="9144000" cy="0"/>
+          </a:xfrm>
+          <a:prstGeom prst="rect">
+            <a:avLst/>
+          </a:prstGeom>
+          <a:noFill/>
+          <a:ln w="9525">
+            <a:noFill/>
+            <a:miter lim="800000"/>
+            <a:headEnd/>
+            <a:tailEnd/>
+          </a:ln>
+          <a:effectLst/>
+        </p:spPr>
+        <p:txBody>
+          <a:bodyPr wrap="none" anchor="ctr">
+            <a:spAutoFit/>
+          </a:bodyPr>
+          <a:lstStyle/>
+          <a:p>
+            <a:endParaRPr lang="en-US"/>
+          </a:p>
+        </p:txBody>
+      </p:sp>
+      <p:sp>
+        <p:nvSpPr>
+          <p:cNvPr id="10254" name="Rectangle 14"/>
           <p:cNvSpPr>
             <a:spLocks noChangeArrowheads="1"/>
           </p:cNvSpPr>
@@ -6835,52 +7139,13 @@
       </p:sp>
       <p:sp>
         <p:nvSpPr>
-          <p:cNvPr id="10254" name="Rectangle 14"/>
+          <p:cNvPr id="10256" name="Rectangle 16"/>
           <p:cNvSpPr>
             <a:spLocks noChangeArrowheads="1"/>
           </p:cNvSpPr>
           <p:nvPr>
             <p:custDataLst>
               <p:tags r:id="rId8"/>
-            </p:custDataLst>
-          </p:nvPr>
-        </p:nvSpPr>
-        <p:spPr bwMode="auto">
-          <a:xfrm>
-            <a:off x="0" y="2495550"/>
-            <a:ext cx="9144000" cy="0"/>
-          </a:xfrm>
-          <a:prstGeom prst="rect">
-            <a:avLst/>
-          </a:prstGeom>
-          <a:noFill/>
-          <a:ln w="9525">
-            <a:noFill/>
-            <a:miter lim="800000"/>
-            <a:headEnd/>
-            <a:tailEnd/>
-          </a:ln>
-          <a:effectLst/>
-        </p:spPr>
-        <p:txBody>
-          <a:bodyPr wrap="none" anchor="ctr">
-            <a:spAutoFit/>
-          </a:bodyPr>
-          <a:lstStyle/>
-          <a:p>
-            <a:endParaRPr lang="en-US"/>
-          </a:p>
-        </p:txBody>
-      </p:sp>
-      <p:sp>
-        <p:nvSpPr>
-          <p:cNvPr id="10256" name="Rectangle 16"/>
-          <p:cNvSpPr>
-            <a:spLocks noChangeArrowheads="1"/>
-          </p:cNvSpPr>
-          <p:nvPr>
-            <p:custDataLst>
-              <p:tags r:id="rId9"/>
             </p:custDataLst>
           </p:nvPr>
         </p:nvSpPr>
@@ -6919,7 +7184,7 @@
           </p:cNvGraphicFramePr>
           <p:nvPr>
             <p:custDataLst>
-              <p:tags r:id="rId10"/>
+              <p:tags r:id="rId9"/>
             </p:custDataLst>
           </p:nvPr>
         </p:nvGraphicFramePr>
@@ -6931,12 +7196,12 @@
           <a:graphicData uri="http://schemas.openxmlformats.org/presentationml/2006/ole">
             <mc:AlternateContent xmlns:mc="http://schemas.openxmlformats.org/markup-compatibility/2006">
               <mc:Choice xmlns:v="urn:schemas-microsoft-com:vml" Requires="v">
-                <p:oleObj name="Equation" r:id="rId18" imgW="2641600" imgH="2425700" progId="Equation.3">
+                <p:oleObj name="Equation" r:id="rId17" imgW="2641600" imgH="2425700" progId="Equation.3">
                   <p:embed/>
                 </p:oleObj>
               </mc:Choice>
               <mc:Fallback>
-                <p:oleObj name="Equation" r:id="rId18" imgW="2641600" imgH="2425700" progId="Equation.3">
+                <p:oleObj name="Equation" r:id="rId17" imgW="2641600" imgH="2425700" progId="Equation.3">
                   <p:embed/>
                   <p:pic>
                     <p:nvPicPr>
@@ -6947,7 +7212,7 @@
                       <p:nvPr/>
                     </p:nvPicPr>
                     <p:blipFill>
-                      <a:blip r:embed="rId19">
+                      <a:blip r:embed="rId18">
                         <a:extLst>
                           <a:ext uri="{28A0092B-C50C-407E-A947-70E740481C1C}">
                             <a14:useLocalDpi xmlns:a14="http://schemas.microsoft.com/office/drawing/2010/main" val="0"/>
@@ -6993,7 +7258,7 @@
           </p:cNvSpPr>
           <p:nvPr>
             <p:custDataLst>
-              <p:tags r:id="rId11"/>
+              <p:tags r:id="rId10"/>
             </p:custDataLst>
           </p:nvPr>
         </p:nvSpPr>
@@ -7075,7 +7340,7 @@
           </p:cNvSpPr>
           <p:nvPr>
             <p:custDataLst>
-              <p:tags r:id="rId12"/>
+              <p:tags r:id="rId11"/>
             </p:custDataLst>
           </p:nvPr>
         </p:nvSpPr>
@@ -7114,7 +7379,7 @@
           </p:cNvSpPr>
           <p:nvPr>
             <p:custDataLst>
-              <p:tags r:id="rId13"/>
+              <p:tags r:id="rId12"/>
             </p:custDataLst>
           </p:nvPr>
         </p:nvSpPr>
@@ -7156,7 +7421,7 @@
           </p:cNvSpPr>
           <p:nvPr>
             <p:custDataLst>
-              <p:tags r:id="rId14"/>
+              <p:tags r:id="rId13"/>
             </p:custDataLst>
           </p:nvPr>
         </p:nvSpPr>
@@ -7220,7 +7485,7 @@
 </p:sld>
 </file>
 
-<file path=ppt/slides/slide13.xml><?xml version="1.0" encoding="utf-8"?>
+<file path=ppt/slides/slide15.xml><?xml version="1.0" encoding="utf-8"?>
 <p:sld xmlns:a="http://schemas.openxmlformats.org/drawingml/2006/main" xmlns:r="http://schemas.openxmlformats.org/officeDocument/2006/relationships" xmlns:p="http://schemas.openxmlformats.org/presentationml/2006/main">
   <p:cSld>
     <p:spTree>
@@ -7657,7 +7922,7 @@
         <p:spPr bwMode="auto">
           <a:xfrm>
             <a:off x="969963" y="43032"/>
-            <a:ext cx="7302500" cy="523875"/>
+            <a:ext cx="4822154" cy="523220"/>
           </a:xfrm>
           <a:prstGeom prst="rect">
             <a:avLst/>
@@ -7791,7 +8056,7 @@
           <a:p>
             <a:r>
               <a:rPr lang="en-US" sz="2800" dirty="0"/>
-              <a:t>Remote stress applied to a cracked material:</a:t>
+              <a:t>What about a “sharp” crack?</a:t>
             </a:r>
           </a:p>
         </p:txBody>
@@ -8101,7 +8366,7 @@
 </p:sld>
 </file>
 
-<file path=ppt/slides/slide14.xml><?xml version="1.0" encoding="utf-8"?>
+<file path=ppt/slides/slide16.xml><?xml version="1.0" encoding="utf-8"?>
 <p:sld xmlns:a="http://schemas.openxmlformats.org/drawingml/2006/main" xmlns:r="http://schemas.openxmlformats.org/officeDocument/2006/relationships" xmlns:p="http://schemas.openxmlformats.org/presentationml/2006/main">
   <p:cSld>
     <p:spTree>
@@ -8660,7 +8925,7 @@
         <p:spPr>
           <a:xfrm>
             <a:off x="4800600" y="2895600"/>
-            <a:ext cx="4191000" cy="707886"/>
+            <a:ext cx="4191000" cy="830997"/>
           </a:xfrm>
           <a:prstGeom prst="rect">
             <a:avLst/>
@@ -8678,16 +8943,20 @@
               <a:t>When K (stress intensity) reaches a critical value </a:t>
             </a:r>
             <a:r>
-              <a:rPr lang="en-US" dirty="0" err="1"/>
+              <a:rPr lang="en-US" sz="2800" dirty="0" err="1"/>
               <a:t>K</a:t>
             </a:r>
             <a:r>
-              <a:rPr lang="en-US" baseline="-25000" dirty="0" err="1"/>
+              <a:rPr lang="en-US" sz="2800" baseline="-25000" dirty="0" err="1"/>
               <a:t>c</a:t>
             </a:r>
             <a:r>
+              <a:rPr lang="en-US" sz="2800" dirty="0"/>
+              <a:t> </a:t>
+            </a:r>
+            <a:r>
               <a:rPr lang="en-US" dirty="0"/>
-              <a:t> we get fracture.  </a:t>
+              <a:t>we get fracture.  </a:t>
             </a:r>
           </a:p>
         </p:txBody>
@@ -8705,37 +8974,7 @@
 </p:sld>
 </file>
 
-<file path=ppt/slides/slide15.xml><?xml version="1.0" encoding="utf-8"?>
-<p:sld xmlns:a="http://schemas.openxmlformats.org/drawingml/2006/main" xmlns:r="http://schemas.openxmlformats.org/officeDocument/2006/relationships" xmlns:p="http://schemas.openxmlformats.org/presentationml/2006/main">
-  <p:cSld>
-    <p:spTree>
-      <p:nvGrpSpPr>
-        <p:cNvPr id="1" name=""/>
-        <p:cNvGrpSpPr/>
-        <p:nvPr/>
-      </p:nvGrpSpPr>
-      <p:grpSpPr>
-        <a:xfrm>
-          <a:off x="0" y="0"/>
-          <a:ext cx="0" cy="0"/>
-          <a:chOff x="0" y="0"/>
-          <a:chExt cx="0" cy="0"/>
-        </a:xfrm>
-      </p:grpSpPr>
-    </p:spTree>
-    <p:extLst>
-      <p:ext uri="{BB962C8B-B14F-4D97-AF65-F5344CB8AC3E}">
-        <p14:creationId xmlns:p14="http://schemas.microsoft.com/office/powerpoint/2010/main" val="1159216512"/>
-      </p:ext>
-    </p:extLst>
-  </p:cSld>
-  <p:clrMapOvr>
-    <a:masterClrMapping/>
-  </p:clrMapOvr>
-</p:sld>
-</file>
-
-<file path=ppt/slides/slide16.xml><?xml version="1.0" encoding="utf-8"?>
+<file path=ppt/slides/slide17.xml><?xml version="1.0" encoding="utf-8"?>
 <p:sld xmlns:a="http://schemas.openxmlformats.org/drawingml/2006/main" xmlns:r="http://schemas.openxmlformats.org/officeDocument/2006/relationships" xmlns:p="http://schemas.openxmlformats.org/presentationml/2006/main">
   <p:cSld>
     <p:spTree>
@@ -8765,7 +9004,7 @@
           </p:nvPr>
         </p:nvPicPr>
         <p:blipFill>
-          <a:blip r:embed="rId8" cstate="print"/>
+          <a:blip r:embed="rId9" cstate="print"/>
           <a:srcRect b="9460"/>
           <a:stretch>
             <a:fillRect/>
@@ -9005,6 +9244,85 @@
           </a:p>
         </p:txBody>
       </p:sp>
+      <p:graphicFrame>
+        <p:nvGraphicFramePr>
+          <p:cNvPr id="2" name="Object 1">
+            <a:extLst>
+              <a:ext uri="{FF2B5EF4-FFF2-40B4-BE49-F238E27FC236}">
+                <a16:creationId xmlns:a16="http://schemas.microsoft.com/office/drawing/2014/main" id="{EB2BE389-1FB2-829A-B2B6-E61E3125419B}"/>
+              </a:ext>
+            </a:extLst>
+          </p:cNvPr>
+          <p:cNvGraphicFramePr>
+            <a:graphicFrameLocks noChangeAspect="1"/>
+          </p:cNvGraphicFramePr>
+          <p:nvPr>
+            <p:custDataLst>
+              <p:tags r:id="rId7"/>
+            </p:custDataLst>
+            <p:extLst>
+              <p:ext uri="{D42A27DB-BD31-4B8C-83A1-F6EECF244321}">
+                <p14:modId xmlns:p14="http://schemas.microsoft.com/office/powerpoint/2010/main" val="310914930"/>
+              </p:ext>
+            </p:extLst>
+          </p:nvPr>
+        </p:nvGraphicFramePr>
+        <p:xfrm>
+          <a:off x="2819400" y="5371306"/>
+          <a:ext cx="2649829" cy="731838"/>
+        </p:xfrm>
+        <a:graphic>
+          <a:graphicData uri="http://schemas.openxmlformats.org/presentationml/2006/ole">
+            <mc:AlternateContent xmlns:mc="http://schemas.openxmlformats.org/markup-compatibility/2006">
+              <mc:Choice xmlns:v="urn:schemas-microsoft-com:vml" Requires="v">
+                <p:oleObj name="Equation" r:id="rId10" imgW="914400" imgH="253800" progId="Equation.3">
+                  <p:embed/>
+                </p:oleObj>
+              </mc:Choice>
+              <mc:Fallback>
+                <p:oleObj name="Equation" r:id="rId10" imgW="914400" imgH="253800" progId="Equation.3">
+                  <p:embed/>
+                  <p:pic>
+                    <p:nvPicPr>
+                      <p:cNvPr id="2" name="Object 1">
+                        <a:extLst>
+                          <a:ext uri="{FF2B5EF4-FFF2-40B4-BE49-F238E27FC236}">
+                            <a16:creationId xmlns:a16="http://schemas.microsoft.com/office/drawing/2014/main" id="{EB2BE389-1FB2-829A-B2B6-E61E3125419B}"/>
+                          </a:ext>
+                        </a:extLst>
+                      </p:cNvPr>
+                      <p:cNvPicPr>
+                        <a:picLocks noChangeAspect="1" noChangeArrowheads="1"/>
+                      </p:cNvPicPr>
+                      <p:nvPr/>
+                    </p:nvPicPr>
+                    <p:blipFill>
+                      <a:blip r:embed="rId11"/>
+                      <a:srcRect/>
+                      <a:stretch>
+                        <a:fillRect/>
+                      </a:stretch>
+                    </p:blipFill>
+                    <p:spPr bwMode="auto">
+                      <a:xfrm>
+                        <a:off x="2819400" y="5371306"/>
+                        <a:ext cx="2649829" cy="731838"/>
+                      </a:xfrm>
+                      <a:prstGeom prst="rect">
+                        <a:avLst/>
+                      </a:prstGeom>
+                      <a:noFill/>
+                      <a:ln>
+                        <a:noFill/>
+                      </a:ln>
+                    </p:spPr>
+                  </p:pic>
+                </p:oleObj>
+              </mc:Fallback>
+            </mc:AlternateContent>
+          </a:graphicData>
+        </a:graphic>
+      </p:graphicFrame>
     </p:spTree>
     <p:extLst>
       <p:ext uri="{BB962C8B-B14F-4D97-AF65-F5344CB8AC3E}">
@@ -9018,7 +9336,37 @@
 </p:sld>
 </file>
 
-<file path=ppt/slides/slide17.xml><?xml version="1.0" encoding="utf-8"?>
+<file path=ppt/slides/slide18.xml><?xml version="1.0" encoding="utf-8"?>
+<p:sld xmlns:a="http://schemas.openxmlformats.org/drawingml/2006/main" xmlns:r="http://schemas.openxmlformats.org/officeDocument/2006/relationships" xmlns:p="http://schemas.openxmlformats.org/presentationml/2006/main">
+  <p:cSld>
+    <p:spTree>
+      <p:nvGrpSpPr>
+        <p:cNvPr id="1" name=""/>
+        <p:cNvGrpSpPr/>
+        <p:nvPr/>
+      </p:nvGrpSpPr>
+      <p:grpSpPr>
+        <a:xfrm>
+          <a:off x="0" y="0"/>
+          <a:ext cx="0" cy="0"/>
+          <a:chOff x="0" y="0"/>
+          <a:chExt cx="0" cy="0"/>
+        </a:xfrm>
+      </p:grpSpPr>
+    </p:spTree>
+    <p:extLst>
+      <p:ext uri="{BB962C8B-B14F-4D97-AF65-F5344CB8AC3E}">
+        <p14:creationId xmlns:p14="http://schemas.microsoft.com/office/powerpoint/2010/main" val="1159216512"/>
+      </p:ext>
+    </p:extLst>
+  </p:cSld>
+  <p:clrMapOvr>
+    <a:masterClrMapping/>
+  </p:clrMapOvr>
+</p:sld>
+</file>
+
+<file path=ppt/slides/slide19.xml><?xml version="1.0" encoding="utf-8"?>
 <p:sld xmlns:a="http://schemas.openxmlformats.org/drawingml/2006/main" xmlns:r="http://schemas.openxmlformats.org/officeDocument/2006/relationships" xmlns:p="http://schemas.openxmlformats.org/presentationml/2006/main">
   <p:cSld>
     <p:spTree>
@@ -9386,7 +9734,180 @@
 </p:sld>
 </file>
 
-<file path=ppt/slides/slide18.xml><?xml version="1.0" encoding="utf-8"?>
+<file path=ppt/slides/slide2.xml><?xml version="1.0" encoding="utf-8"?>
+<p:sld xmlns:a="http://schemas.openxmlformats.org/drawingml/2006/main" xmlns:r="http://schemas.openxmlformats.org/officeDocument/2006/relationships" xmlns:p="http://schemas.openxmlformats.org/presentationml/2006/main">
+  <p:cSld>
+    <p:spTree>
+      <p:nvGrpSpPr>
+        <p:cNvPr id="1" name=""/>
+        <p:cNvGrpSpPr/>
+        <p:nvPr/>
+      </p:nvGrpSpPr>
+      <p:grpSpPr>
+        <a:xfrm>
+          <a:off x="0" y="0"/>
+          <a:ext cx="0" cy="0"/>
+          <a:chOff x="0" y="0"/>
+          <a:chExt cx="0" cy="0"/>
+        </a:xfrm>
+      </p:grpSpPr>
+      <p:sp>
+        <p:nvSpPr>
+          <p:cNvPr id="2" name="Title 1">
+            <a:extLst>
+              <a:ext uri="{FF2B5EF4-FFF2-40B4-BE49-F238E27FC236}">
+                <a16:creationId xmlns:a16="http://schemas.microsoft.com/office/drawing/2014/main" id="{865C5FF2-2655-CCE2-C48E-32398B283B42}"/>
+              </a:ext>
+            </a:extLst>
+          </p:cNvPr>
+          <p:cNvSpPr>
+            <a:spLocks noGrp="1"/>
+          </p:cNvSpPr>
+          <p:nvPr>
+            <p:ph type="title"/>
+          </p:nvPr>
+        </p:nvSpPr>
+        <p:spPr/>
+        <p:txBody>
+          <a:bodyPr/>
+          <a:lstStyle/>
+          <a:p>
+            <a:r>
+              <a:rPr lang="en-US" dirty="0"/>
+              <a:t>Chapter 8 Failure Mechanisms</a:t>
+            </a:r>
+          </a:p>
+        </p:txBody>
+      </p:sp>
+      <p:sp>
+        <p:nvSpPr>
+          <p:cNvPr id="3" name="TextBox 2">
+            <a:extLst>
+              <a:ext uri="{FF2B5EF4-FFF2-40B4-BE49-F238E27FC236}">
+                <a16:creationId xmlns:a16="http://schemas.microsoft.com/office/drawing/2014/main" id="{1660C574-8D97-8232-92BD-ECE0E340A0AB}"/>
+              </a:ext>
+            </a:extLst>
+          </p:cNvPr>
+          <p:cNvSpPr txBox="1"/>
+          <p:nvPr/>
+        </p:nvSpPr>
+        <p:spPr>
+          <a:xfrm>
+            <a:off x="609600" y="1752600"/>
+            <a:ext cx="8077200" cy="5078313"/>
+          </a:xfrm>
+          <a:prstGeom prst="rect">
+            <a:avLst/>
+          </a:prstGeom>
+          <a:noFill/>
+        </p:spPr>
+        <p:txBody>
+          <a:bodyPr wrap="square" rtlCol="0">
+            <a:spAutoFit/>
+          </a:bodyPr>
+          <a:lstStyle/>
+          <a:p>
+            <a:pPr marL="342900" indent="-342900">
+              <a:lnSpc>
+                <a:spcPct val="150000"/>
+              </a:lnSpc>
+              <a:buFont typeface="Arial" panose="020B0604020202020204" pitchFamily="34" charset="0"/>
+              <a:buChar char="•"/>
+            </a:pPr>
+            <a:r>
+              <a:rPr lang="en-US" sz="2400" dirty="0"/>
+              <a:t>Strength vs Toughness</a:t>
+            </a:r>
+          </a:p>
+          <a:p>
+            <a:pPr marL="342900" indent="-342900">
+              <a:lnSpc>
+                <a:spcPct val="150000"/>
+              </a:lnSpc>
+              <a:buFont typeface="Arial" panose="020B0604020202020204" pitchFamily="34" charset="0"/>
+              <a:buChar char="•"/>
+            </a:pPr>
+            <a:r>
+              <a:rPr lang="en-US" sz="2400" dirty="0"/>
+              <a:t>How does Toughness typically change with temperature?</a:t>
+            </a:r>
+          </a:p>
+          <a:p>
+            <a:pPr marL="342900" indent="-342900">
+              <a:lnSpc>
+                <a:spcPct val="150000"/>
+              </a:lnSpc>
+              <a:buFont typeface="Arial" panose="020B0604020202020204" pitchFamily="34" charset="0"/>
+              <a:buChar char="•"/>
+            </a:pPr>
+            <a:r>
+              <a:rPr lang="en-US" sz="2400" dirty="0"/>
+              <a:t>Why do we need fracture mechanics (isn’t Charpy impact testing enough)? </a:t>
+            </a:r>
+          </a:p>
+          <a:p>
+            <a:pPr marL="342900" indent="-342900">
+              <a:lnSpc>
+                <a:spcPct val="150000"/>
+              </a:lnSpc>
+              <a:buFont typeface="Arial" panose="020B0604020202020204" pitchFamily="34" charset="0"/>
+              <a:buChar char="•"/>
+            </a:pPr>
+            <a:r>
+              <a:rPr lang="en-US" sz="2400" dirty="0"/>
+              <a:t>Fracture toughness vs Brittle Fracture</a:t>
+            </a:r>
+          </a:p>
+          <a:p>
+            <a:pPr marL="342900" indent="-342900">
+              <a:lnSpc>
+                <a:spcPct val="150000"/>
+              </a:lnSpc>
+              <a:buFont typeface="Arial" panose="020B0604020202020204" pitchFamily="34" charset="0"/>
+              <a:buChar char="•"/>
+            </a:pPr>
+            <a:r>
+              <a:rPr lang="en-US" sz="2400" dirty="0"/>
+              <a:t>Stress Intensity vs Fracture Toughness</a:t>
+            </a:r>
+          </a:p>
+          <a:p>
+            <a:pPr marL="342900" indent="-342900">
+              <a:buFont typeface="Arial" panose="020B0604020202020204" pitchFamily="34" charset="0"/>
+              <a:buChar char="•"/>
+            </a:pPr>
+            <a:endParaRPr lang="en-US" sz="2400" dirty="0"/>
+          </a:p>
+          <a:p>
+            <a:pPr marL="342900" indent="-342900">
+              <a:buFont typeface="Arial" panose="020B0604020202020204" pitchFamily="34" charset="0"/>
+              <a:buChar char="•"/>
+            </a:pPr>
+            <a:endParaRPr lang="en-US" sz="2400" dirty="0"/>
+          </a:p>
+          <a:p>
+            <a:pPr marL="342900" indent="-342900">
+              <a:buFont typeface="Arial" panose="020B0604020202020204" pitchFamily="34" charset="0"/>
+              <a:buChar char="•"/>
+            </a:pPr>
+            <a:endParaRPr lang="en-US" sz="2400" dirty="0"/>
+          </a:p>
+        </p:txBody>
+      </p:sp>
+    </p:spTree>
+    <p:extLst>
+      <p:ext uri="{BB962C8B-B14F-4D97-AF65-F5344CB8AC3E}">
+        <p14:creationId xmlns:p14="http://schemas.microsoft.com/office/powerpoint/2010/main" val="861452386"/>
+      </p:ext>
+    </p:extLst>
+  </p:cSld>
+  <p:clrMapOvr>
+    <a:masterClrMapping/>
+  </p:clrMapOvr>
+</p:sld>
+</file>
+
+<file path=ppt/slides/slide20.xml><?xml version="1.0" encoding="utf-8"?>
 <p:sld xmlns:a="http://schemas.openxmlformats.org/drawingml/2006/main" xmlns:r="http://schemas.openxmlformats.org/officeDocument/2006/relationships" xmlns:p="http://schemas.openxmlformats.org/presentationml/2006/main">
   <p:cSld>
     <p:spTree>
@@ -9847,7 +10368,7 @@
 </p:sld>
 </file>
 
-<file path=ppt/slides/slide19.xml><?xml version="1.0" encoding="utf-8"?>
+<file path=ppt/slides/slide21.xml><?xml version="1.0" encoding="utf-8"?>
 <p:sld xmlns:a="http://schemas.openxmlformats.org/drawingml/2006/main" xmlns:r="http://schemas.openxmlformats.org/officeDocument/2006/relationships" xmlns:p="http://schemas.openxmlformats.org/presentationml/2006/main">
   <p:cSld>
     <p:spTree>
@@ -10343,460 +10864,7 @@
 </p:sld>
 </file>
 
-<file path=ppt/slides/slide2.xml><?xml version="1.0" encoding="utf-8"?>
-<p:sld xmlns:a="http://schemas.openxmlformats.org/drawingml/2006/main" xmlns:r="http://schemas.openxmlformats.org/officeDocument/2006/relationships" xmlns:p="http://schemas.openxmlformats.org/presentationml/2006/main">
-  <p:cSld>
-    <p:spTree>
-      <p:nvGrpSpPr>
-        <p:cNvPr id="1" name=""/>
-        <p:cNvGrpSpPr/>
-        <p:nvPr/>
-      </p:nvGrpSpPr>
-      <p:grpSpPr>
-        <a:xfrm>
-          <a:off x="0" y="0"/>
-          <a:ext cx="0" cy="0"/>
-          <a:chOff x="0" y="0"/>
-          <a:chExt cx="0" cy="0"/>
-        </a:xfrm>
-      </p:grpSpPr>
-      <p:sp>
-        <p:nvSpPr>
-          <p:cNvPr id="16385" name="Title 5"/>
-          <p:cNvSpPr>
-            <a:spLocks noGrp="1"/>
-          </p:cNvSpPr>
-          <p:nvPr>
-            <p:ph type="title"/>
-          </p:nvPr>
-        </p:nvSpPr>
-        <p:spPr>
-          <a:xfrm>
-            <a:off x="443340" y="0"/>
-            <a:ext cx="8229600" cy="759032"/>
-          </a:xfrm>
-        </p:spPr>
-        <p:txBody>
-          <a:bodyPr/>
-          <a:lstStyle/>
-          <a:p>
-            <a:r>
-              <a:rPr lang="en-US" sz="4000" dirty="0"/>
-              <a:t>Strength </a:t>
-            </a:r>
-            <a:r>
-              <a:rPr lang="en-US" sz="4000" dirty="0" err="1"/>
-              <a:t>vs.Toughness</a:t>
-            </a:r>
-            <a:endParaRPr lang="en-US" sz="4000" dirty="0"/>
-          </a:p>
-        </p:txBody>
-      </p:sp>
-      <p:pic>
-        <p:nvPicPr>
-          <p:cNvPr id="16390" name="Picture 19" descr="f008-001-Y743"/>
-          <p:cNvPicPr>
-            <a:picLocks noChangeAspect="1" noChangeArrowheads="1"/>
-          </p:cNvPicPr>
-          <p:nvPr/>
-        </p:nvPicPr>
-        <p:blipFill>
-          <a:blip r:embed="rId2">
-            <a:extLst>
-              <a:ext uri="{28A0092B-C50C-407E-A947-70E740481C1C}">
-                <a14:useLocalDpi xmlns:a14="http://schemas.microsoft.com/office/drawing/2010/main" val="0"/>
-              </a:ext>
-            </a:extLst>
-          </a:blip>
-          <a:srcRect/>
-          <a:stretch>
-            <a:fillRect/>
-          </a:stretch>
-        </p:blipFill>
-        <p:spPr bwMode="auto">
-          <a:xfrm>
-            <a:off x="905505" y="2402956"/>
-            <a:ext cx="7271086" cy="4437240"/>
-          </a:xfrm>
-          <a:prstGeom prst="rect">
-            <a:avLst/>
-          </a:prstGeom>
-          <a:noFill/>
-          <a:ln>
-            <a:noFill/>
-          </a:ln>
-          <a:extLst>
-            <a:ext uri="{909E8E84-426E-40DD-AFC4-6F175D3DCCD1}">
-              <a14:hiddenFill xmlns:a14="http://schemas.microsoft.com/office/drawing/2010/main">
-                <a:solidFill>
-                  <a:srgbClr val="FFFFFF"/>
-                </a:solidFill>
-              </a14:hiddenFill>
-            </a:ext>
-            <a:ext uri="{91240B29-F687-4F45-9708-019B960494DF}">
-              <a14:hiddenLine xmlns:a14="http://schemas.microsoft.com/office/drawing/2010/main" w="9525">
-                <a:solidFill>
-                  <a:srgbClr val="000000"/>
-                </a:solidFill>
-                <a:miter lim="800000"/>
-                <a:headEnd/>
-                <a:tailEnd/>
-              </a14:hiddenLine>
-            </a:ext>
-          </a:extLst>
-        </p:spPr>
-      </p:pic>
-      <p:sp>
-        <p:nvSpPr>
-          <p:cNvPr id="16388" name="TextBox 7"/>
-          <p:cNvSpPr txBox="1">
-            <a:spLocks noChangeArrowheads="1"/>
-          </p:cNvSpPr>
-          <p:nvPr/>
-        </p:nvSpPr>
-        <p:spPr bwMode="auto">
-          <a:xfrm>
-            <a:off x="443340" y="1017864"/>
-            <a:ext cx="3489325" cy="1200150"/>
-          </a:xfrm>
-          <a:prstGeom prst="rect">
-            <a:avLst/>
-          </a:prstGeom>
-          <a:noFill/>
-          <a:ln>
-            <a:noFill/>
-          </a:ln>
-          <a:extLst>
-            <a:ext uri="{909E8E84-426E-40DD-AFC4-6F175D3DCCD1}">
-              <a14:hiddenFill xmlns:a14="http://schemas.microsoft.com/office/drawing/2010/main">
-                <a:solidFill>
-                  <a:srgbClr val="FFFFFF"/>
-                </a:solidFill>
-              </a14:hiddenFill>
-            </a:ext>
-            <a:ext uri="{91240B29-F687-4F45-9708-019B960494DF}">
-              <a14:hiddenLine xmlns:a14="http://schemas.microsoft.com/office/drawing/2010/main" w="9525">
-                <a:solidFill>
-                  <a:srgbClr val="000000"/>
-                </a:solidFill>
-                <a:miter lim="800000"/>
-                <a:headEnd/>
-                <a:tailEnd/>
-              </a14:hiddenLine>
-            </a:ext>
-          </a:extLst>
-        </p:spPr>
-        <p:txBody>
-          <a:bodyPr wrap="none">
-            <a:spAutoFit/>
-          </a:bodyPr>
-          <a:lstStyle>
-            <a:lvl1pPr>
-              <a:defRPr>
-                <a:solidFill>
-                  <a:schemeClr val="tx1"/>
-                </a:solidFill>
-                <a:latin typeface="Arial" charset="0"/>
-              </a:defRPr>
-            </a:lvl1pPr>
-            <a:lvl2pPr marL="742950" indent="-285750">
-              <a:defRPr>
-                <a:solidFill>
-                  <a:schemeClr val="tx1"/>
-                </a:solidFill>
-                <a:latin typeface="Arial" charset="0"/>
-              </a:defRPr>
-            </a:lvl2pPr>
-            <a:lvl3pPr marL="1143000" indent="-228600">
-              <a:defRPr>
-                <a:solidFill>
-                  <a:schemeClr val="tx1"/>
-                </a:solidFill>
-                <a:latin typeface="Arial" charset="0"/>
-              </a:defRPr>
-            </a:lvl3pPr>
-            <a:lvl4pPr marL="1600200" indent="-228600">
-              <a:defRPr>
-                <a:solidFill>
-                  <a:schemeClr val="tx1"/>
-                </a:solidFill>
-                <a:latin typeface="Arial" charset="0"/>
-              </a:defRPr>
-            </a:lvl4pPr>
-            <a:lvl5pPr marL="2057400" indent="-228600">
-              <a:defRPr>
-                <a:solidFill>
-                  <a:schemeClr val="tx1"/>
-                </a:solidFill>
-                <a:latin typeface="Arial" charset="0"/>
-              </a:defRPr>
-            </a:lvl5pPr>
-            <a:lvl6pPr marL="2514600" indent="-228600" defTabSz="457200" fontAlgn="base">
-              <a:spcBef>
-                <a:spcPct val="0"/>
-              </a:spcBef>
-              <a:spcAft>
-                <a:spcPct val="0"/>
-              </a:spcAft>
-              <a:defRPr>
-                <a:solidFill>
-                  <a:schemeClr val="tx1"/>
-                </a:solidFill>
-                <a:latin typeface="Arial" charset="0"/>
-              </a:defRPr>
-            </a:lvl6pPr>
-            <a:lvl7pPr marL="2971800" indent="-228600" defTabSz="457200" fontAlgn="base">
-              <a:spcBef>
-                <a:spcPct val="0"/>
-              </a:spcBef>
-              <a:spcAft>
-                <a:spcPct val="0"/>
-              </a:spcAft>
-              <a:defRPr>
-                <a:solidFill>
-                  <a:schemeClr val="tx1"/>
-                </a:solidFill>
-                <a:latin typeface="Arial" charset="0"/>
-              </a:defRPr>
-            </a:lvl7pPr>
-            <a:lvl8pPr marL="3429000" indent="-228600" defTabSz="457200" fontAlgn="base">
-              <a:spcBef>
-                <a:spcPct val="0"/>
-              </a:spcBef>
-              <a:spcAft>
-                <a:spcPct val="0"/>
-              </a:spcAft>
-              <a:defRPr>
-                <a:solidFill>
-                  <a:schemeClr val="tx1"/>
-                </a:solidFill>
-                <a:latin typeface="Arial" charset="0"/>
-              </a:defRPr>
-            </a:lvl8pPr>
-            <a:lvl9pPr marL="3886200" indent="-228600" defTabSz="457200" fontAlgn="base">
-              <a:spcBef>
-                <a:spcPct val="0"/>
-              </a:spcBef>
-              <a:spcAft>
-                <a:spcPct val="0"/>
-              </a:spcAft>
-              <a:defRPr>
-                <a:solidFill>
-                  <a:schemeClr val="tx1"/>
-                </a:solidFill>
-                <a:latin typeface="Arial" charset="0"/>
-              </a:defRPr>
-            </a:lvl9pPr>
-          </a:lstStyle>
-          <a:p>
-            <a:pPr algn="ctr"/>
-            <a:r>
-              <a:rPr lang="en-US" sz="2400" u="sng" dirty="0"/>
-              <a:t>Strength</a:t>
-            </a:r>
-          </a:p>
-          <a:p>
-            <a:pPr algn="ctr"/>
-            <a:r>
-              <a:rPr lang="en-US" sz="2400" dirty="0"/>
-              <a:t>Resistance of a material</a:t>
-            </a:r>
-          </a:p>
-          <a:p>
-            <a:pPr algn="ctr"/>
-            <a:r>
-              <a:rPr lang="en-US" sz="2400" dirty="0"/>
-              <a:t>to plastic flow</a:t>
-            </a:r>
-          </a:p>
-        </p:txBody>
-      </p:sp>
-      <p:sp>
-        <p:nvSpPr>
-          <p:cNvPr id="16389" name="TextBox 8"/>
-          <p:cNvSpPr txBox="1">
-            <a:spLocks noChangeArrowheads="1"/>
-          </p:cNvSpPr>
-          <p:nvPr/>
-        </p:nvSpPr>
-        <p:spPr bwMode="auto">
-          <a:xfrm>
-            <a:off x="5185203" y="832920"/>
-            <a:ext cx="3487737" cy="1570037"/>
-          </a:xfrm>
-          <a:prstGeom prst="rect">
-            <a:avLst/>
-          </a:prstGeom>
-          <a:noFill/>
-          <a:ln>
-            <a:noFill/>
-          </a:ln>
-          <a:extLst>
-            <a:ext uri="{909E8E84-426E-40DD-AFC4-6F175D3DCCD1}">
-              <a14:hiddenFill xmlns:a14="http://schemas.microsoft.com/office/drawing/2010/main">
-                <a:solidFill>
-                  <a:srgbClr val="FFFFFF"/>
-                </a:solidFill>
-              </a14:hiddenFill>
-            </a:ext>
-            <a:ext uri="{91240B29-F687-4F45-9708-019B960494DF}">
-              <a14:hiddenLine xmlns:a14="http://schemas.microsoft.com/office/drawing/2010/main" w="9525">
-                <a:solidFill>
-                  <a:srgbClr val="000000"/>
-                </a:solidFill>
-                <a:miter lim="800000"/>
-                <a:headEnd/>
-                <a:tailEnd/>
-              </a14:hiddenLine>
-            </a:ext>
-          </a:extLst>
-        </p:spPr>
-        <p:txBody>
-          <a:bodyPr wrap="none">
-            <a:spAutoFit/>
-          </a:bodyPr>
-          <a:lstStyle>
-            <a:lvl1pPr>
-              <a:defRPr>
-                <a:solidFill>
-                  <a:schemeClr val="tx1"/>
-                </a:solidFill>
-                <a:latin typeface="Arial" charset="0"/>
-              </a:defRPr>
-            </a:lvl1pPr>
-            <a:lvl2pPr marL="742950" indent="-285750">
-              <a:defRPr>
-                <a:solidFill>
-                  <a:schemeClr val="tx1"/>
-                </a:solidFill>
-                <a:latin typeface="Arial" charset="0"/>
-              </a:defRPr>
-            </a:lvl2pPr>
-            <a:lvl3pPr marL="1143000" indent="-228600">
-              <a:defRPr>
-                <a:solidFill>
-                  <a:schemeClr val="tx1"/>
-                </a:solidFill>
-                <a:latin typeface="Arial" charset="0"/>
-              </a:defRPr>
-            </a:lvl3pPr>
-            <a:lvl4pPr marL="1600200" indent="-228600">
-              <a:defRPr>
-                <a:solidFill>
-                  <a:schemeClr val="tx1"/>
-                </a:solidFill>
-                <a:latin typeface="Arial" charset="0"/>
-              </a:defRPr>
-            </a:lvl4pPr>
-            <a:lvl5pPr marL="2057400" indent="-228600">
-              <a:defRPr>
-                <a:solidFill>
-                  <a:schemeClr val="tx1"/>
-                </a:solidFill>
-                <a:latin typeface="Arial" charset="0"/>
-              </a:defRPr>
-            </a:lvl5pPr>
-            <a:lvl6pPr marL="2514600" indent="-228600" defTabSz="457200" fontAlgn="base">
-              <a:spcBef>
-                <a:spcPct val="0"/>
-              </a:spcBef>
-              <a:spcAft>
-                <a:spcPct val="0"/>
-              </a:spcAft>
-              <a:defRPr>
-                <a:solidFill>
-                  <a:schemeClr val="tx1"/>
-                </a:solidFill>
-                <a:latin typeface="Arial" charset="0"/>
-              </a:defRPr>
-            </a:lvl6pPr>
-            <a:lvl7pPr marL="2971800" indent="-228600" defTabSz="457200" fontAlgn="base">
-              <a:spcBef>
-                <a:spcPct val="0"/>
-              </a:spcBef>
-              <a:spcAft>
-                <a:spcPct val="0"/>
-              </a:spcAft>
-              <a:defRPr>
-                <a:solidFill>
-                  <a:schemeClr val="tx1"/>
-                </a:solidFill>
-                <a:latin typeface="Arial" charset="0"/>
-              </a:defRPr>
-            </a:lvl7pPr>
-            <a:lvl8pPr marL="3429000" indent="-228600" defTabSz="457200" fontAlgn="base">
-              <a:spcBef>
-                <a:spcPct val="0"/>
-              </a:spcBef>
-              <a:spcAft>
-                <a:spcPct val="0"/>
-              </a:spcAft>
-              <a:defRPr>
-                <a:solidFill>
-                  <a:schemeClr val="tx1"/>
-                </a:solidFill>
-                <a:latin typeface="Arial" charset="0"/>
-              </a:defRPr>
-            </a:lvl8pPr>
-            <a:lvl9pPr marL="3886200" indent="-228600" defTabSz="457200" fontAlgn="base">
-              <a:spcBef>
-                <a:spcPct val="0"/>
-              </a:spcBef>
-              <a:spcAft>
-                <a:spcPct val="0"/>
-              </a:spcAft>
-              <a:defRPr>
-                <a:solidFill>
-                  <a:schemeClr val="tx1"/>
-                </a:solidFill>
-                <a:latin typeface="Arial" charset="0"/>
-              </a:defRPr>
-            </a:lvl9pPr>
-          </a:lstStyle>
-          <a:p>
-            <a:pPr algn="ctr"/>
-            <a:r>
-              <a:rPr lang="en-US" sz="2400" u="sng" dirty="0"/>
-              <a:t>Toughness</a:t>
-            </a:r>
-          </a:p>
-          <a:p>
-            <a:pPr algn="ctr"/>
-            <a:r>
-              <a:rPr lang="en-US" sz="2400" dirty="0"/>
-              <a:t>Resistance of a material</a:t>
-            </a:r>
-          </a:p>
-          <a:p>
-            <a:pPr algn="ctr"/>
-            <a:r>
-              <a:rPr lang="en-US" sz="2400" dirty="0"/>
-              <a:t>to the propagation</a:t>
-            </a:r>
-          </a:p>
-          <a:p>
-            <a:pPr algn="ctr"/>
-            <a:r>
-              <a:rPr lang="en-US" sz="2400" dirty="0"/>
-              <a:t>of a crack</a:t>
-            </a:r>
-          </a:p>
-        </p:txBody>
-      </p:sp>
-    </p:spTree>
-    <p:extLst>
-      <p:ext uri="{BB962C8B-B14F-4D97-AF65-F5344CB8AC3E}">
-        <p14:creationId xmlns:p14="http://schemas.microsoft.com/office/powerpoint/2010/main" val="3293254741"/>
-      </p:ext>
-    </p:extLst>
-  </p:cSld>
-  <p:clrMapOvr>
-    <a:masterClrMapping/>
-  </p:clrMapOvr>
-</p:sld>
-</file>
-
-<file path=ppt/slides/slide20.xml><?xml version="1.0" encoding="utf-8"?>
+<file path=ppt/slides/slide22.xml><?xml version="1.0" encoding="utf-8"?>
 <p:sld xmlns:a="http://schemas.openxmlformats.org/drawingml/2006/main" xmlns:r="http://schemas.openxmlformats.org/officeDocument/2006/relationships" xmlns:p="http://schemas.openxmlformats.org/presentationml/2006/main">
   <p:cSld>
     <p:spTree>
@@ -11110,7 +11178,7 @@
 </p:sld>
 </file>
 
-<file path=ppt/slides/slide21.xml><?xml version="1.0" encoding="utf-8"?>
+<file path=ppt/slides/slide23.xml><?xml version="1.0" encoding="utf-8"?>
 <p:sld xmlns:a="http://schemas.openxmlformats.org/drawingml/2006/main" xmlns:r="http://schemas.openxmlformats.org/officeDocument/2006/relationships" xmlns:p="http://schemas.openxmlformats.org/presentationml/2006/main">
   <p:cSld>
     <p:spTree>
@@ -11573,7 +11641,7 @@
 </p:sld>
 </file>
 
-<file path=ppt/slides/slide22.xml><?xml version="1.0" encoding="utf-8"?>
+<file path=ppt/slides/slide24.xml><?xml version="1.0" encoding="utf-8"?>
 <p:sld xmlns:a="http://schemas.openxmlformats.org/drawingml/2006/main" xmlns:r="http://schemas.openxmlformats.org/officeDocument/2006/relationships" xmlns:p="http://schemas.openxmlformats.org/presentationml/2006/main">
   <p:cSld>
     <p:spTree>
@@ -11956,7 +12024,7 @@
 </p:sld>
 </file>
 
-<file path=ppt/slides/slide23.xml><?xml version="1.0" encoding="utf-8"?>
+<file path=ppt/slides/slide25.xml><?xml version="1.0" encoding="utf-8"?>
 <p:sld xmlns:a="http://schemas.openxmlformats.org/drawingml/2006/main" xmlns:r="http://schemas.openxmlformats.org/officeDocument/2006/relationships" xmlns:p="http://schemas.openxmlformats.org/presentationml/2006/main">
   <p:cSld>
     <p:spTree>
@@ -12357,7 +12425,7 @@
 </p:sld>
 </file>
 
-<file path=ppt/slides/slide24.xml><?xml version="1.0" encoding="utf-8"?>
+<file path=ppt/slides/slide26.xml><?xml version="1.0" encoding="utf-8"?>
 <p:sld xmlns:a="http://schemas.openxmlformats.org/drawingml/2006/main" xmlns:r="http://schemas.openxmlformats.org/officeDocument/2006/relationships" xmlns:p="http://schemas.openxmlformats.org/presentationml/2006/main">
   <p:cSld>
     <p:spTree>
@@ -12387,7 +12455,7 @@
 </p:sld>
 </file>
 
-<file path=ppt/slides/slide25.xml><?xml version="1.0" encoding="utf-8"?>
+<file path=ppt/slides/slide27.xml><?xml version="1.0" encoding="utf-8"?>
 <p:sld xmlns:a="http://schemas.openxmlformats.org/drawingml/2006/main" xmlns:r="http://schemas.openxmlformats.org/officeDocument/2006/relationships" xmlns:p="http://schemas.openxmlformats.org/presentationml/2006/main">
   <p:cSld>
     <p:spTree>
@@ -13099,7 +13167,7 @@
 </p:sld>
 </file>
 
-<file path=ppt/slides/slide26.xml><?xml version="1.0" encoding="utf-8"?>
+<file path=ppt/slides/slide28.xml><?xml version="1.0" encoding="utf-8"?>
 <p:sld xmlns:a="http://schemas.openxmlformats.org/drawingml/2006/main" xmlns:r="http://schemas.openxmlformats.org/officeDocument/2006/relationships" xmlns:p="http://schemas.openxmlformats.org/presentationml/2006/main">
   <p:cSld>
     <p:spTree>
@@ -13462,7 +13530,7 @@
 </p:sld>
 </file>
 
-<file path=ppt/slides/slide27.xml><?xml version="1.0" encoding="utf-8"?>
+<file path=ppt/slides/slide29.xml><?xml version="1.0" encoding="utf-8"?>
 <p:sld xmlns:a="http://schemas.openxmlformats.org/drawingml/2006/main" xmlns:r="http://schemas.openxmlformats.org/officeDocument/2006/relationships" xmlns:p="http://schemas.openxmlformats.org/presentationml/2006/main">
   <p:cSld>
     <p:spTree>
@@ -13697,7 +13765,460 @@
 </p:sld>
 </file>
 
-<file path=ppt/slides/slide28.xml><?xml version="1.0" encoding="utf-8"?>
+<file path=ppt/slides/slide3.xml><?xml version="1.0" encoding="utf-8"?>
+<p:sld xmlns:a="http://schemas.openxmlformats.org/drawingml/2006/main" xmlns:r="http://schemas.openxmlformats.org/officeDocument/2006/relationships" xmlns:p="http://schemas.openxmlformats.org/presentationml/2006/main">
+  <p:cSld>
+    <p:spTree>
+      <p:nvGrpSpPr>
+        <p:cNvPr id="1" name=""/>
+        <p:cNvGrpSpPr/>
+        <p:nvPr/>
+      </p:nvGrpSpPr>
+      <p:grpSpPr>
+        <a:xfrm>
+          <a:off x="0" y="0"/>
+          <a:ext cx="0" cy="0"/>
+          <a:chOff x="0" y="0"/>
+          <a:chExt cx="0" cy="0"/>
+        </a:xfrm>
+      </p:grpSpPr>
+      <p:sp>
+        <p:nvSpPr>
+          <p:cNvPr id="16385" name="Title 5"/>
+          <p:cNvSpPr>
+            <a:spLocks noGrp="1"/>
+          </p:cNvSpPr>
+          <p:nvPr>
+            <p:ph type="title"/>
+          </p:nvPr>
+        </p:nvSpPr>
+        <p:spPr>
+          <a:xfrm>
+            <a:off x="443340" y="0"/>
+            <a:ext cx="8229600" cy="759032"/>
+          </a:xfrm>
+        </p:spPr>
+        <p:txBody>
+          <a:bodyPr/>
+          <a:lstStyle/>
+          <a:p>
+            <a:r>
+              <a:rPr lang="en-US" sz="4000" dirty="0"/>
+              <a:t>Strength </a:t>
+            </a:r>
+            <a:r>
+              <a:rPr lang="en-US" sz="4000" dirty="0" err="1"/>
+              <a:t>vs.Toughness</a:t>
+            </a:r>
+            <a:endParaRPr lang="en-US" sz="4000" dirty="0"/>
+          </a:p>
+        </p:txBody>
+      </p:sp>
+      <p:pic>
+        <p:nvPicPr>
+          <p:cNvPr id="16390" name="Picture 19" descr="f008-001-Y743"/>
+          <p:cNvPicPr>
+            <a:picLocks noChangeAspect="1" noChangeArrowheads="1"/>
+          </p:cNvPicPr>
+          <p:nvPr/>
+        </p:nvPicPr>
+        <p:blipFill>
+          <a:blip r:embed="rId2">
+            <a:extLst>
+              <a:ext uri="{28A0092B-C50C-407E-A947-70E740481C1C}">
+                <a14:useLocalDpi xmlns:a14="http://schemas.microsoft.com/office/drawing/2010/main" val="0"/>
+              </a:ext>
+            </a:extLst>
+          </a:blip>
+          <a:srcRect/>
+          <a:stretch>
+            <a:fillRect/>
+          </a:stretch>
+        </p:blipFill>
+        <p:spPr bwMode="auto">
+          <a:xfrm>
+            <a:off x="905505" y="2402956"/>
+            <a:ext cx="7271086" cy="4437240"/>
+          </a:xfrm>
+          <a:prstGeom prst="rect">
+            <a:avLst/>
+          </a:prstGeom>
+          <a:noFill/>
+          <a:ln>
+            <a:noFill/>
+          </a:ln>
+          <a:extLst>
+            <a:ext uri="{909E8E84-426E-40DD-AFC4-6F175D3DCCD1}">
+              <a14:hiddenFill xmlns:a14="http://schemas.microsoft.com/office/drawing/2010/main">
+                <a:solidFill>
+                  <a:srgbClr val="FFFFFF"/>
+                </a:solidFill>
+              </a14:hiddenFill>
+            </a:ext>
+            <a:ext uri="{91240B29-F687-4F45-9708-019B960494DF}">
+              <a14:hiddenLine xmlns:a14="http://schemas.microsoft.com/office/drawing/2010/main" w="9525">
+                <a:solidFill>
+                  <a:srgbClr val="000000"/>
+                </a:solidFill>
+                <a:miter lim="800000"/>
+                <a:headEnd/>
+                <a:tailEnd/>
+              </a14:hiddenLine>
+            </a:ext>
+          </a:extLst>
+        </p:spPr>
+      </p:pic>
+      <p:sp>
+        <p:nvSpPr>
+          <p:cNvPr id="16388" name="TextBox 7"/>
+          <p:cNvSpPr txBox="1">
+            <a:spLocks noChangeArrowheads="1"/>
+          </p:cNvSpPr>
+          <p:nvPr/>
+        </p:nvSpPr>
+        <p:spPr bwMode="auto">
+          <a:xfrm>
+            <a:off x="443340" y="1017864"/>
+            <a:ext cx="3489325" cy="1200150"/>
+          </a:xfrm>
+          <a:prstGeom prst="rect">
+            <a:avLst/>
+          </a:prstGeom>
+          <a:noFill/>
+          <a:ln>
+            <a:noFill/>
+          </a:ln>
+          <a:extLst>
+            <a:ext uri="{909E8E84-426E-40DD-AFC4-6F175D3DCCD1}">
+              <a14:hiddenFill xmlns:a14="http://schemas.microsoft.com/office/drawing/2010/main">
+                <a:solidFill>
+                  <a:srgbClr val="FFFFFF"/>
+                </a:solidFill>
+              </a14:hiddenFill>
+            </a:ext>
+            <a:ext uri="{91240B29-F687-4F45-9708-019B960494DF}">
+              <a14:hiddenLine xmlns:a14="http://schemas.microsoft.com/office/drawing/2010/main" w="9525">
+                <a:solidFill>
+                  <a:srgbClr val="000000"/>
+                </a:solidFill>
+                <a:miter lim="800000"/>
+                <a:headEnd/>
+                <a:tailEnd/>
+              </a14:hiddenLine>
+            </a:ext>
+          </a:extLst>
+        </p:spPr>
+        <p:txBody>
+          <a:bodyPr wrap="none">
+            <a:spAutoFit/>
+          </a:bodyPr>
+          <a:lstStyle>
+            <a:lvl1pPr>
+              <a:defRPr>
+                <a:solidFill>
+                  <a:schemeClr val="tx1"/>
+                </a:solidFill>
+                <a:latin typeface="Arial" charset="0"/>
+              </a:defRPr>
+            </a:lvl1pPr>
+            <a:lvl2pPr marL="742950" indent="-285750">
+              <a:defRPr>
+                <a:solidFill>
+                  <a:schemeClr val="tx1"/>
+                </a:solidFill>
+                <a:latin typeface="Arial" charset="0"/>
+              </a:defRPr>
+            </a:lvl2pPr>
+            <a:lvl3pPr marL="1143000" indent="-228600">
+              <a:defRPr>
+                <a:solidFill>
+                  <a:schemeClr val="tx1"/>
+                </a:solidFill>
+                <a:latin typeface="Arial" charset="0"/>
+              </a:defRPr>
+            </a:lvl3pPr>
+            <a:lvl4pPr marL="1600200" indent="-228600">
+              <a:defRPr>
+                <a:solidFill>
+                  <a:schemeClr val="tx1"/>
+                </a:solidFill>
+                <a:latin typeface="Arial" charset="0"/>
+              </a:defRPr>
+            </a:lvl4pPr>
+            <a:lvl5pPr marL="2057400" indent="-228600">
+              <a:defRPr>
+                <a:solidFill>
+                  <a:schemeClr val="tx1"/>
+                </a:solidFill>
+                <a:latin typeface="Arial" charset="0"/>
+              </a:defRPr>
+            </a:lvl5pPr>
+            <a:lvl6pPr marL="2514600" indent="-228600" defTabSz="457200" fontAlgn="base">
+              <a:spcBef>
+                <a:spcPct val="0"/>
+              </a:spcBef>
+              <a:spcAft>
+                <a:spcPct val="0"/>
+              </a:spcAft>
+              <a:defRPr>
+                <a:solidFill>
+                  <a:schemeClr val="tx1"/>
+                </a:solidFill>
+                <a:latin typeface="Arial" charset="0"/>
+              </a:defRPr>
+            </a:lvl6pPr>
+            <a:lvl7pPr marL="2971800" indent="-228600" defTabSz="457200" fontAlgn="base">
+              <a:spcBef>
+                <a:spcPct val="0"/>
+              </a:spcBef>
+              <a:spcAft>
+                <a:spcPct val="0"/>
+              </a:spcAft>
+              <a:defRPr>
+                <a:solidFill>
+                  <a:schemeClr val="tx1"/>
+                </a:solidFill>
+                <a:latin typeface="Arial" charset="0"/>
+              </a:defRPr>
+            </a:lvl7pPr>
+            <a:lvl8pPr marL="3429000" indent="-228600" defTabSz="457200" fontAlgn="base">
+              <a:spcBef>
+                <a:spcPct val="0"/>
+              </a:spcBef>
+              <a:spcAft>
+                <a:spcPct val="0"/>
+              </a:spcAft>
+              <a:defRPr>
+                <a:solidFill>
+                  <a:schemeClr val="tx1"/>
+                </a:solidFill>
+                <a:latin typeface="Arial" charset="0"/>
+              </a:defRPr>
+            </a:lvl8pPr>
+            <a:lvl9pPr marL="3886200" indent="-228600" defTabSz="457200" fontAlgn="base">
+              <a:spcBef>
+                <a:spcPct val="0"/>
+              </a:spcBef>
+              <a:spcAft>
+                <a:spcPct val="0"/>
+              </a:spcAft>
+              <a:defRPr>
+                <a:solidFill>
+                  <a:schemeClr val="tx1"/>
+                </a:solidFill>
+                <a:latin typeface="Arial" charset="0"/>
+              </a:defRPr>
+            </a:lvl9pPr>
+          </a:lstStyle>
+          <a:p>
+            <a:pPr algn="ctr"/>
+            <a:r>
+              <a:rPr lang="en-US" sz="2400" u="sng" dirty="0"/>
+              <a:t>Strength</a:t>
+            </a:r>
+          </a:p>
+          <a:p>
+            <a:pPr algn="ctr"/>
+            <a:r>
+              <a:rPr lang="en-US" sz="2400" dirty="0"/>
+              <a:t>Resistance of a material</a:t>
+            </a:r>
+          </a:p>
+          <a:p>
+            <a:pPr algn="ctr"/>
+            <a:r>
+              <a:rPr lang="en-US" sz="2400" dirty="0"/>
+              <a:t>to plastic flow</a:t>
+            </a:r>
+          </a:p>
+        </p:txBody>
+      </p:sp>
+      <p:sp>
+        <p:nvSpPr>
+          <p:cNvPr id="16389" name="TextBox 8"/>
+          <p:cNvSpPr txBox="1">
+            <a:spLocks noChangeArrowheads="1"/>
+          </p:cNvSpPr>
+          <p:nvPr/>
+        </p:nvSpPr>
+        <p:spPr bwMode="auto">
+          <a:xfrm>
+            <a:off x="5185203" y="832920"/>
+            <a:ext cx="3487737" cy="1570037"/>
+          </a:xfrm>
+          <a:prstGeom prst="rect">
+            <a:avLst/>
+          </a:prstGeom>
+          <a:noFill/>
+          <a:ln>
+            <a:noFill/>
+          </a:ln>
+          <a:extLst>
+            <a:ext uri="{909E8E84-426E-40DD-AFC4-6F175D3DCCD1}">
+              <a14:hiddenFill xmlns:a14="http://schemas.microsoft.com/office/drawing/2010/main">
+                <a:solidFill>
+                  <a:srgbClr val="FFFFFF"/>
+                </a:solidFill>
+              </a14:hiddenFill>
+            </a:ext>
+            <a:ext uri="{91240B29-F687-4F45-9708-019B960494DF}">
+              <a14:hiddenLine xmlns:a14="http://schemas.microsoft.com/office/drawing/2010/main" w="9525">
+                <a:solidFill>
+                  <a:srgbClr val="000000"/>
+                </a:solidFill>
+                <a:miter lim="800000"/>
+                <a:headEnd/>
+                <a:tailEnd/>
+              </a14:hiddenLine>
+            </a:ext>
+          </a:extLst>
+        </p:spPr>
+        <p:txBody>
+          <a:bodyPr wrap="none">
+            <a:spAutoFit/>
+          </a:bodyPr>
+          <a:lstStyle>
+            <a:lvl1pPr>
+              <a:defRPr>
+                <a:solidFill>
+                  <a:schemeClr val="tx1"/>
+                </a:solidFill>
+                <a:latin typeface="Arial" charset="0"/>
+              </a:defRPr>
+            </a:lvl1pPr>
+            <a:lvl2pPr marL="742950" indent="-285750">
+              <a:defRPr>
+                <a:solidFill>
+                  <a:schemeClr val="tx1"/>
+                </a:solidFill>
+                <a:latin typeface="Arial" charset="0"/>
+              </a:defRPr>
+            </a:lvl2pPr>
+            <a:lvl3pPr marL="1143000" indent="-228600">
+              <a:defRPr>
+                <a:solidFill>
+                  <a:schemeClr val="tx1"/>
+                </a:solidFill>
+                <a:latin typeface="Arial" charset="0"/>
+              </a:defRPr>
+            </a:lvl3pPr>
+            <a:lvl4pPr marL="1600200" indent="-228600">
+              <a:defRPr>
+                <a:solidFill>
+                  <a:schemeClr val="tx1"/>
+                </a:solidFill>
+                <a:latin typeface="Arial" charset="0"/>
+              </a:defRPr>
+            </a:lvl4pPr>
+            <a:lvl5pPr marL="2057400" indent="-228600">
+              <a:defRPr>
+                <a:solidFill>
+                  <a:schemeClr val="tx1"/>
+                </a:solidFill>
+                <a:latin typeface="Arial" charset="0"/>
+              </a:defRPr>
+            </a:lvl5pPr>
+            <a:lvl6pPr marL="2514600" indent="-228600" defTabSz="457200" fontAlgn="base">
+              <a:spcBef>
+                <a:spcPct val="0"/>
+              </a:spcBef>
+              <a:spcAft>
+                <a:spcPct val="0"/>
+              </a:spcAft>
+              <a:defRPr>
+                <a:solidFill>
+                  <a:schemeClr val="tx1"/>
+                </a:solidFill>
+                <a:latin typeface="Arial" charset="0"/>
+              </a:defRPr>
+            </a:lvl6pPr>
+            <a:lvl7pPr marL="2971800" indent="-228600" defTabSz="457200" fontAlgn="base">
+              <a:spcBef>
+                <a:spcPct val="0"/>
+              </a:spcBef>
+              <a:spcAft>
+                <a:spcPct val="0"/>
+              </a:spcAft>
+              <a:defRPr>
+                <a:solidFill>
+                  <a:schemeClr val="tx1"/>
+                </a:solidFill>
+                <a:latin typeface="Arial" charset="0"/>
+              </a:defRPr>
+            </a:lvl7pPr>
+            <a:lvl8pPr marL="3429000" indent="-228600" defTabSz="457200" fontAlgn="base">
+              <a:spcBef>
+                <a:spcPct val="0"/>
+              </a:spcBef>
+              <a:spcAft>
+                <a:spcPct val="0"/>
+              </a:spcAft>
+              <a:defRPr>
+                <a:solidFill>
+                  <a:schemeClr val="tx1"/>
+                </a:solidFill>
+                <a:latin typeface="Arial" charset="0"/>
+              </a:defRPr>
+            </a:lvl8pPr>
+            <a:lvl9pPr marL="3886200" indent="-228600" defTabSz="457200" fontAlgn="base">
+              <a:spcBef>
+                <a:spcPct val="0"/>
+              </a:spcBef>
+              <a:spcAft>
+                <a:spcPct val="0"/>
+              </a:spcAft>
+              <a:defRPr>
+                <a:solidFill>
+                  <a:schemeClr val="tx1"/>
+                </a:solidFill>
+                <a:latin typeface="Arial" charset="0"/>
+              </a:defRPr>
+            </a:lvl9pPr>
+          </a:lstStyle>
+          <a:p>
+            <a:pPr algn="ctr"/>
+            <a:r>
+              <a:rPr lang="en-US" sz="2400" u="sng" dirty="0"/>
+              <a:t>Toughness</a:t>
+            </a:r>
+          </a:p>
+          <a:p>
+            <a:pPr algn="ctr"/>
+            <a:r>
+              <a:rPr lang="en-US" sz="2400" dirty="0"/>
+              <a:t>Resistance of a material</a:t>
+            </a:r>
+          </a:p>
+          <a:p>
+            <a:pPr algn="ctr"/>
+            <a:r>
+              <a:rPr lang="en-US" sz="2400" dirty="0"/>
+              <a:t>to the propagation</a:t>
+            </a:r>
+          </a:p>
+          <a:p>
+            <a:pPr algn="ctr"/>
+            <a:r>
+              <a:rPr lang="en-US" sz="2400" dirty="0"/>
+              <a:t>of a crack</a:t>
+            </a:r>
+          </a:p>
+        </p:txBody>
+      </p:sp>
+    </p:spTree>
+    <p:extLst>
+      <p:ext uri="{BB962C8B-B14F-4D97-AF65-F5344CB8AC3E}">
+        <p14:creationId xmlns:p14="http://schemas.microsoft.com/office/powerpoint/2010/main" val="3293254741"/>
+      </p:ext>
+    </p:extLst>
+  </p:cSld>
+  <p:clrMapOvr>
+    <a:masterClrMapping/>
+  </p:clrMapOvr>
+</p:sld>
+</file>
+
+<file path=ppt/slides/slide30.xml><?xml version="1.0" encoding="utf-8"?>
 <p:sld xmlns:a="http://schemas.openxmlformats.org/drawingml/2006/main" xmlns:r="http://schemas.openxmlformats.org/officeDocument/2006/relationships" xmlns:p="http://schemas.openxmlformats.org/presentationml/2006/main">
   <p:cSld>
     <p:spTree>
@@ -13876,7 +14397,7 @@
 </p:sld>
 </file>
 
-<file path=ppt/slides/slide3.xml><?xml version="1.0" encoding="utf-8"?>
+<file path=ppt/slides/slide4.xml><?xml version="1.0" encoding="utf-8"?>
 <p:sld xmlns:a="http://schemas.openxmlformats.org/drawingml/2006/main" xmlns:r="http://schemas.openxmlformats.org/officeDocument/2006/relationships" xmlns:p="http://schemas.openxmlformats.org/presentationml/2006/main">
   <p:cSld>
     <p:spTree>
@@ -14318,7 +14839,7 @@
 </p:sld>
 </file>
 
-<file path=ppt/slides/slide4.xml><?xml version="1.0" encoding="utf-8"?>
+<file path=ppt/slides/slide5.xml><?xml version="1.0" encoding="utf-8"?>
 <p:sld xmlns:a="http://schemas.openxmlformats.org/drawingml/2006/main" xmlns:r="http://schemas.openxmlformats.org/officeDocument/2006/relationships" xmlns:p="http://schemas.openxmlformats.org/presentationml/2006/main">
   <p:cSld>
     <p:spTree>
@@ -14681,7 +15202,7 @@
 </p:sld>
 </file>
 
-<file path=ppt/slides/slide5.xml><?xml version="1.0" encoding="utf-8"?>
+<file path=ppt/slides/slide6.xml><?xml version="1.0" encoding="utf-8"?>
 <p:sld xmlns:a="http://schemas.openxmlformats.org/drawingml/2006/main" xmlns:r="http://schemas.openxmlformats.org/officeDocument/2006/relationships" xmlns:p="http://schemas.openxmlformats.org/presentationml/2006/main">
   <p:cSld>
     <p:spTree>
@@ -14887,7 +15408,7 @@
 </p:sld>
 </file>
 
-<file path=ppt/slides/slide6.xml><?xml version="1.0" encoding="utf-8"?>
+<file path=ppt/slides/slide7.xml><?xml version="1.0" encoding="utf-8"?>
 <p:sld xmlns:a="http://schemas.openxmlformats.org/drawingml/2006/main" xmlns:r="http://schemas.openxmlformats.org/officeDocument/2006/relationships" xmlns:p="http://schemas.openxmlformats.org/presentationml/2006/main" show="0">
   <p:cSld>
     <p:spTree>
@@ -15026,7 +15547,7 @@
 </p:sld>
 </file>
 
-<file path=ppt/slides/slide7.xml><?xml version="1.0" encoding="utf-8"?>
+<file path=ppt/slides/slide8.xml><?xml version="1.0" encoding="utf-8"?>
 <p:sld xmlns:a="http://schemas.openxmlformats.org/drawingml/2006/main" xmlns:r="http://schemas.openxmlformats.org/officeDocument/2006/relationships" xmlns:p="http://schemas.openxmlformats.org/presentationml/2006/main">
   <p:cSld>
     <p:spTree>
@@ -15207,7 +15728,7 @@
 </p:sld>
 </file>
 
-<file path=ppt/slides/slide8.xml><?xml version="1.0" encoding="utf-8"?>
+<file path=ppt/slides/slide9.xml><?xml version="1.0" encoding="utf-8"?>
 <p:sld xmlns:a="http://schemas.openxmlformats.org/drawingml/2006/main" xmlns:r="http://schemas.openxmlformats.org/officeDocument/2006/relationships" xmlns:p="http://schemas.openxmlformats.org/presentationml/2006/main">
   <p:cSld>
     <p:spTree>
@@ -15500,77 +16021,6 @@
     <p:extLst>
       <p:ext uri="{BB962C8B-B14F-4D97-AF65-F5344CB8AC3E}">
         <p14:creationId xmlns:p14="http://schemas.microsoft.com/office/powerpoint/2010/main" val="1979589399"/>
-      </p:ext>
-    </p:extLst>
-  </p:cSld>
-  <p:clrMapOvr>
-    <a:masterClrMapping/>
-  </p:clrMapOvr>
-</p:sld>
-</file>
-
-<file path=ppt/slides/slide9.xml><?xml version="1.0" encoding="utf-8"?>
-<p:sld xmlns:a="http://schemas.openxmlformats.org/drawingml/2006/main" xmlns:r="http://schemas.openxmlformats.org/officeDocument/2006/relationships" xmlns:p="http://schemas.openxmlformats.org/presentationml/2006/main">
-  <p:cSld>
-    <p:spTree>
-      <p:nvGrpSpPr>
-        <p:cNvPr id="1" name=""/>
-        <p:cNvGrpSpPr/>
-        <p:nvPr/>
-      </p:nvGrpSpPr>
-      <p:grpSpPr>
-        <a:xfrm>
-          <a:off x="0" y="0"/>
-          <a:ext cx="0" cy="0"/>
-          <a:chOff x="0" y="0"/>
-          <a:chExt cx="0" cy="0"/>
-        </a:xfrm>
-      </p:grpSpPr>
-      <p:sp>
-        <p:nvSpPr>
-          <p:cNvPr id="4" name="Title 3"/>
-          <p:cNvSpPr>
-            <a:spLocks noGrp="1"/>
-          </p:cNvSpPr>
-          <p:nvPr>
-            <p:ph type="title"/>
-          </p:nvPr>
-        </p:nvSpPr>
-        <p:spPr/>
-        <p:txBody>
-          <a:bodyPr/>
-          <a:lstStyle/>
-          <a:p>
-            <a:r>
-              <a:rPr lang="en-US" dirty="0"/>
-              <a:t>Fracture mechanics</a:t>
-            </a:r>
-          </a:p>
-        </p:txBody>
-      </p:sp>
-      <p:sp>
-        <p:nvSpPr>
-          <p:cNvPr id="5" name="Text Placeholder 4"/>
-          <p:cNvSpPr>
-            <a:spLocks noGrp="1"/>
-          </p:cNvSpPr>
-          <p:nvPr>
-            <p:ph type="body" idx="1"/>
-          </p:nvPr>
-        </p:nvSpPr>
-        <p:spPr/>
-        <p:txBody>
-          <a:bodyPr/>
-          <a:lstStyle/>
-          <a:p>
-            <a:endParaRPr lang="en-US"/>
-          </a:p>
-        </p:txBody>
-      </p:sp>
-    </p:spTree>
-    <p:extLst>
-      <p:ext uri="{BB962C8B-B14F-4D97-AF65-F5344CB8AC3E}">
-        <p14:creationId xmlns:p14="http://schemas.microsoft.com/office/powerpoint/2010/main" val="3559449581"/>
       </p:ext>
     </p:extLst>
   </p:cSld>
@@ -15738,20 +16188,20 @@
 
 <file path=ppt/tags/tag32.xml><?xml version="1.0" encoding="utf-8"?>
 <p:tagLst xmlns:a="http://schemas.openxmlformats.org/drawingml/2006/main" xmlns:r="http://schemas.openxmlformats.org/officeDocument/2006/relationships" xmlns:p="http://schemas.openxmlformats.org/presentationml/2006/main">
+  <p:tag name="IIW_TYPE_IMAGE" val="Text Box 3"/>
   <p:tag name="_INSTRUCTOR VIEW19C14C36-AC8E-43BC-9DB6-C2AAF774C7DC|PANE__TAG" val="_"/>
 </p:tagLst>
 </file>
 
 <file path=ppt/tags/tag33.xml><?xml version="1.0" encoding="utf-8"?>
 <p:tagLst xmlns:a="http://schemas.openxmlformats.org/drawingml/2006/main" xmlns:r="http://schemas.openxmlformats.org/officeDocument/2006/relationships" xmlns:p="http://schemas.openxmlformats.org/presentationml/2006/main">
-  <p:tag name="IIW_TYPE_IMAGE" val="Text Box 3"/>
+  <p:tag name="IIW_TYPE_CAPTION" val="Picture 2"/>
   <p:tag name="_INSTRUCTOR VIEW19C14C36-AC8E-43BC-9DB6-C2AAF774C7DC|PANE__TAG" val="_"/>
 </p:tagLst>
 </file>
 
 <file path=ppt/tags/tag34.xml><?xml version="1.0" encoding="utf-8"?>
 <p:tagLst xmlns:a="http://schemas.openxmlformats.org/drawingml/2006/main" xmlns:r="http://schemas.openxmlformats.org/officeDocument/2006/relationships" xmlns:p="http://schemas.openxmlformats.org/presentationml/2006/main">
-  <p:tag name="IIW_TYPE_CAPTION" val="Picture 2"/>
   <p:tag name="_INSTRUCTOR VIEW19C14C36-AC8E-43BC-9DB6-C2AAF774C7DC|PANE__TAG" val="_"/>
 </p:tagLst>
 </file>
@@ -17391,8 +17841,17 @@
 </file>
 
 <file path=customXml/item1.xml><?xml version="1.0" encoding="utf-8"?>
-<ct:contentTypeSchema xmlns:ct="http://schemas.microsoft.com/office/2006/metadata/contentType" xmlns:ma="http://schemas.microsoft.com/office/2006/metadata/properties/metaAttributes" ct:_="" ma:_="" ma:contentTypeName="Document" ma:contentTypeID="0x010100140A42B38915AC4EBAF791562DC92B4E" ma:contentTypeVersion="12" ma:contentTypeDescription="Create a new document." ma:contentTypeScope="" ma:versionID="4940a5bbaa78008d3a998d5d5aca4007">
-  <xsd:schema xmlns:xsd="http://www.w3.org/2001/XMLSchema" xmlns:xs="http://www.w3.org/2001/XMLSchema" xmlns:p="http://schemas.microsoft.com/office/2006/metadata/properties" xmlns:ns2="5bbddf2c-15bd-4cee-88ee-4bb358fdb5d4" xmlns:ns3="0ffa7682-a752-4ec2-9b00-944c9a00bbe9" targetNamespace="http://schemas.microsoft.com/office/2006/metadata/properties" ma:root="true" ma:fieldsID="4658b3216de9186052934391234322c9" ns2:_="" ns3:_="">
+<?mso-contentType ?>
+<FormTemplates xmlns="http://schemas.microsoft.com/sharepoint/v3/contenttype/forms">
+  <Display>DocumentLibraryForm</Display>
+  <Edit>DocumentLibraryForm</Edit>
+  <New>DocumentLibraryForm</New>
+</FormTemplates>
+</file>
+
+<file path=customXml/item2.xml><?xml version="1.0" encoding="utf-8"?>
+<ct:contentTypeSchema xmlns:ct="http://schemas.microsoft.com/office/2006/metadata/contentType" xmlns:ma="http://schemas.microsoft.com/office/2006/metadata/properties/metaAttributes" ct:_="" ma:_="" ma:contentTypeName="Document" ma:contentTypeID="0x010100140A42B38915AC4EBAF791562DC92B4E" ma:contentTypeVersion="13" ma:contentTypeDescription="Create a new document." ma:contentTypeScope="" ma:versionID="45dcb3ee8ab16e94e9ce11f52f3ef1c8">
+  <xsd:schema xmlns:xsd="http://www.w3.org/2001/XMLSchema" xmlns:xs="http://www.w3.org/2001/XMLSchema" xmlns:p="http://schemas.microsoft.com/office/2006/metadata/properties" xmlns:ns2="5bbddf2c-15bd-4cee-88ee-4bb358fdb5d4" xmlns:ns3="0ffa7682-a752-4ec2-9b00-944c9a00bbe9" targetNamespace="http://schemas.microsoft.com/office/2006/metadata/properties" ma:root="true" ma:fieldsID="ee4a90daa14cdc5725b57d2c9b788eb1" ns2:_="" ns3:_="">
     <xsd:import namespace="5bbddf2c-15bd-4cee-88ee-4bb358fdb5d4"/>
     <xsd:import namespace="0ffa7682-a752-4ec2-9b00-944c9a00bbe9"/>
     <xsd:element name="properties">
@@ -17412,6 +17871,7 @@
                 <xsd:element ref="ns2:MediaServiceGenerationTime" minOccurs="0"/>
                 <xsd:element ref="ns2:MediaServiceEventHashCode" minOccurs="0"/>
                 <xsd:element ref="ns2:MediaLengthInSeconds" minOccurs="0"/>
+                <xsd:element ref="ns2:MediaServiceLocation" minOccurs="0"/>
               </xsd:all>
             </xsd:complexType>
           </xsd:element>
@@ -17474,6 +17934,11 @@
     <xsd:element name="MediaLengthInSeconds" ma:index="19" nillable="true" ma:displayName="MediaLengthInSeconds" ma:hidden="true" ma:internalName="MediaLengthInSeconds" ma:readOnly="true">
       <xsd:simpleType>
         <xsd:restriction base="dms:Unknown"/>
+      </xsd:simpleType>
+    </xsd:element>
+    <xsd:element name="MediaServiceLocation" ma:index="20" nillable="true" ma:displayName="Location" ma:indexed="true" ma:internalName="MediaServiceLocation" ma:readOnly="true">
+      <xsd:simpleType>
+        <xsd:restriction base="dms:Text"/>
       </xsd:simpleType>
     </xsd:element>
   </xsd:schema>
@@ -17591,19 +18056,29 @@
 </ct:contentTypeSchema>
 </file>
 
-<file path=customXml/item2.xml><?xml version="1.0" encoding="utf-8"?>
-<?mso-contentType ?>
-<FormTemplates xmlns="http://schemas.microsoft.com/sharepoint/v3/contenttype/forms">
-  <Display>DocumentLibraryForm</Display>
-  <Edit>DocumentLibraryForm</Edit>
-  <New>DocumentLibraryForm</New>
-</FormTemplates>
+<file path=customXml/item3.xml><?xml version="1.0" encoding="utf-8"?>
+<p:properties xmlns:p="http://schemas.microsoft.com/office/2006/metadata/properties" xmlns:xsi="http://www.w3.org/2001/XMLSchema-instance" xmlns:pc="http://schemas.microsoft.com/office/infopath/2007/PartnerControls">
+  <documentManagement>
+    <TaxCatchAll xmlns="0ffa7682-a752-4ec2-9b00-944c9a00bbe9" xsi:nil="true"/>
+    <lcf76f155ced4ddcb4097134ff3c332f xmlns="5bbddf2c-15bd-4cee-88ee-4bb358fdb5d4">
+      <Terms xmlns="http://schemas.microsoft.com/office/infopath/2007/PartnerControls"/>
+    </lcf76f155ced4ddcb4097134ff3c332f>
+  </documentManagement>
+</p:properties>
 </file>
 
 <file path=customXml/itemProps1.xml><?xml version="1.0" encoding="utf-8"?>
-<ds:datastoreItem xmlns:ds="http://schemas.openxmlformats.org/officeDocument/2006/customXml" ds:itemID="{9E4F907F-A4D6-4B77-8FCA-E3F40FC5DF94}"/>
+<ds:datastoreItem xmlns:ds="http://schemas.openxmlformats.org/officeDocument/2006/customXml" ds:itemID="{CA7FF6E8-11AF-4099-96DD-D707AD443784}">
+  <ds:schemaRefs>
+    <ds:schemaRef ds:uri="http://schemas.microsoft.com/sharepoint/v3/contenttype/forms"/>
+  </ds:schemaRefs>
+</ds:datastoreItem>
 </file>
 
 <file path=customXml/itemProps2.xml><?xml version="1.0" encoding="utf-8"?>
-<ds:datastoreItem xmlns:ds="http://schemas.openxmlformats.org/officeDocument/2006/customXml" ds:itemID="{CA7FF6E8-11AF-4099-96DD-D707AD443784}"/>
+<ds:datastoreItem xmlns:ds="http://schemas.openxmlformats.org/officeDocument/2006/customXml" ds:itemID="{33A494D4-5C4E-4029-B2B8-995F276B3D08}"/>
+</file>
+
+<file path=customXml/itemProps3.xml><?xml version="1.0" encoding="utf-8"?>
+<ds:datastoreItem xmlns:ds="http://schemas.openxmlformats.org/officeDocument/2006/customXml" ds:itemID="{BC73616A-6D32-46EC-B03A-FAF6B8D5A9D8}"/>
 </file>